--- a/hw5/hw5.pptx
+++ b/hw5/hw5.pptx
@@ -26,6 +26,20 @@
     <p:sldId id="260" r:id="rId20"/>
     <p:sldId id="261" r:id="rId21"/>
     <p:sldId id="262" r:id="rId22"/>
+    <p:sldId id="278" r:id="rId23"/>
+    <p:sldId id="279" r:id="rId24"/>
+    <p:sldId id="280" r:id="rId25"/>
+    <p:sldId id="286" r:id="rId26"/>
+    <p:sldId id="282" r:id="rId27"/>
+    <p:sldId id="283" r:id="rId28"/>
+    <p:sldId id="284" r:id="rId29"/>
+    <p:sldId id="285" r:id="rId30"/>
+    <p:sldId id="281" r:id="rId31"/>
+    <p:sldId id="287" r:id="rId32"/>
+    <p:sldId id="291" r:id="rId33"/>
+    <p:sldId id="292" r:id="rId34"/>
+    <p:sldId id="288" r:id="rId35"/>
+    <p:sldId id="290" r:id="rId36"/>
   </p:sldIdLst>
   <p:sldSz cx="12192000" cy="6858000"/>
   <p:notesSz cx="6858000" cy="9144000"/>
@@ -274,7 +288,7 @@
           <a:p>
             <a:fld id="{CD281814-83A8-4BA9-BBF2-37D7E26FC114}" type="datetimeFigureOut">
               <a:rPr lang="zh-TW" altLang="en-US" smtClean="0"/>
-              <a:t>2018/10/15</a:t>
+              <a:t>2018/10/18</a:t>
             </a:fld>
             <a:endParaRPr lang="zh-TW" altLang="en-US"/>
           </a:p>
@@ -444,7 +458,7 @@
           <a:p>
             <a:fld id="{CD281814-83A8-4BA9-BBF2-37D7E26FC114}" type="datetimeFigureOut">
               <a:rPr lang="zh-TW" altLang="en-US" smtClean="0"/>
-              <a:t>2018/10/15</a:t>
+              <a:t>2018/10/18</a:t>
             </a:fld>
             <a:endParaRPr lang="zh-TW" altLang="en-US"/>
           </a:p>
@@ -624,7 +638,7 @@
           <a:p>
             <a:fld id="{CD281814-83A8-4BA9-BBF2-37D7E26FC114}" type="datetimeFigureOut">
               <a:rPr lang="zh-TW" altLang="en-US" smtClean="0"/>
-              <a:t>2018/10/15</a:t>
+              <a:t>2018/10/18</a:t>
             </a:fld>
             <a:endParaRPr lang="zh-TW" altLang="en-US"/>
           </a:p>
@@ -794,7 +808,7 @@
           <a:p>
             <a:fld id="{CD281814-83A8-4BA9-BBF2-37D7E26FC114}" type="datetimeFigureOut">
               <a:rPr lang="zh-TW" altLang="en-US" smtClean="0"/>
-              <a:t>2018/10/15</a:t>
+              <a:t>2018/10/18</a:t>
             </a:fld>
             <a:endParaRPr lang="zh-TW" altLang="en-US"/>
           </a:p>
@@ -1045,7 +1059,7 @@
           <a:p>
             <a:fld id="{CD281814-83A8-4BA9-BBF2-37D7E26FC114}" type="datetimeFigureOut">
               <a:rPr lang="zh-TW" altLang="en-US" smtClean="0"/>
-              <a:t>2018/10/15</a:t>
+              <a:t>2018/10/18</a:t>
             </a:fld>
             <a:endParaRPr lang="zh-TW" altLang="en-US"/>
           </a:p>
@@ -1277,7 +1291,7 @@
           <a:p>
             <a:fld id="{CD281814-83A8-4BA9-BBF2-37D7E26FC114}" type="datetimeFigureOut">
               <a:rPr lang="zh-TW" altLang="en-US" smtClean="0"/>
-              <a:t>2018/10/15</a:t>
+              <a:t>2018/10/18</a:t>
             </a:fld>
             <a:endParaRPr lang="zh-TW" altLang="en-US"/>
           </a:p>
@@ -1624,7 +1638,7 @@
           <a:p>
             <a:fld id="{CD281814-83A8-4BA9-BBF2-37D7E26FC114}" type="datetimeFigureOut">
               <a:rPr lang="zh-TW" altLang="en-US" smtClean="0"/>
-              <a:t>2018/10/15</a:t>
+              <a:t>2018/10/18</a:t>
             </a:fld>
             <a:endParaRPr lang="zh-TW" altLang="en-US"/>
           </a:p>
@@ -1742,7 +1756,7 @@
           <a:p>
             <a:fld id="{CD281814-83A8-4BA9-BBF2-37D7E26FC114}" type="datetimeFigureOut">
               <a:rPr lang="zh-TW" altLang="en-US" smtClean="0"/>
-              <a:t>2018/10/15</a:t>
+              <a:t>2018/10/18</a:t>
             </a:fld>
             <a:endParaRPr lang="zh-TW" altLang="en-US"/>
           </a:p>
@@ -1860,7 +1874,7 @@
           <a:p>
             <a:fld id="{CD281814-83A8-4BA9-BBF2-37D7E26FC114}" type="datetimeFigureOut">
               <a:rPr lang="zh-TW" altLang="en-US" smtClean="0"/>
-              <a:t>2018/10/15</a:t>
+              <a:t>2018/10/18</a:t>
             </a:fld>
             <a:endParaRPr lang="zh-TW" altLang="en-US"/>
           </a:p>
@@ -2144,7 +2158,7 @@
           <a:p>
             <a:fld id="{CD281814-83A8-4BA9-BBF2-37D7E26FC114}" type="datetimeFigureOut">
               <a:rPr lang="zh-TW" altLang="en-US" smtClean="0"/>
-              <a:t>2018/10/15</a:t>
+              <a:t>2018/10/18</a:t>
             </a:fld>
             <a:endParaRPr lang="zh-TW" altLang="en-US"/>
           </a:p>
@@ -2408,7 +2422,7 @@
           <a:p>
             <a:fld id="{CD281814-83A8-4BA9-BBF2-37D7E26FC114}" type="datetimeFigureOut">
               <a:rPr lang="zh-TW" altLang="en-US" smtClean="0"/>
-              <a:t>2018/10/15</a:t>
+              <a:t>2018/10/18</a:t>
             </a:fld>
             <a:endParaRPr lang="zh-TW" altLang="en-US"/>
           </a:p>
@@ -2622,7 +2636,7 @@
           <a:p>
             <a:fld id="{CD281814-83A8-4BA9-BBF2-37D7E26FC114}" type="datetimeFigureOut">
               <a:rPr lang="zh-TW" altLang="en-US" smtClean="0"/>
-              <a:t>2018/10/15</a:t>
+              <a:t>2018/10/18</a:t>
             </a:fld>
             <a:endParaRPr lang="zh-TW" altLang="en-US"/>
           </a:p>
@@ -3122,7 +3136,7 @@
           <a:lstStyle/>
           <a:p>
             <a:r>
-              <a:rPr lang="en-US" altLang="zh-TW" dirty="0" err="1"/>
+              <a:rPr lang="en-US" altLang="zh-TW" dirty="0"/>
               <a:t>cstring</a:t>
             </a:r>
             <a:r>
@@ -3138,12 +3152,8 @@
               <a:t> </a:t>
             </a:r>
             <a:r>
-              <a:rPr lang="en-US" altLang="zh-TW" dirty="0" err="1"/>
-              <a:t>string.h</a:t>
-            </a:r>
-            <a:r>
-              <a:rPr lang="en-US" altLang="zh-TW" dirty="0"/>
-              <a:t> ) </a:t>
+              <a:rPr lang="en-US" altLang="zh-TW" dirty="0"/>
+              <a:t>string.h ) </a:t>
             </a:r>
             <a:r>
               <a:rPr lang="zh-TW" altLang="en-US" dirty="0"/>
@@ -3181,12 +3191,8 @@
           <a:lstStyle/>
           <a:p>
             <a:r>
-              <a:rPr lang="en-US" altLang="zh-TW" dirty="0" err="1"/>
-              <a:t>strcat</a:t>
-            </a:r>
-            <a:r>
-              <a:rPr lang="en-US" altLang="zh-TW" dirty="0"/>
-              <a:t> ( char str1[], char str2[] )</a:t>
+              <a:rPr lang="en-US" altLang="zh-TW" dirty="0"/>
+              <a:t>strcat ( char str1[], char str2[] )</a:t>
             </a:r>
           </a:p>
           <a:p>
@@ -3319,7 +3325,7 @@
           <a:lstStyle/>
           <a:p>
             <a:r>
-              <a:rPr lang="en-US" altLang="zh-TW" dirty="0" err="1"/>
+              <a:rPr lang="en-US" altLang="zh-TW" dirty="0"/>
               <a:t>cstring</a:t>
             </a:r>
             <a:r>
@@ -3335,12 +3341,8 @@
               <a:t> </a:t>
             </a:r>
             <a:r>
-              <a:rPr lang="en-US" altLang="zh-TW" dirty="0" err="1"/>
-              <a:t>string.h</a:t>
-            </a:r>
-            <a:r>
-              <a:rPr lang="en-US" altLang="zh-TW" dirty="0"/>
-              <a:t> ) </a:t>
+              <a:rPr lang="en-US" altLang="zh-TW" dirty="0"/>
+              <a:t>string.h ) </a:t>
             </a:r>
             <a:r>
               <a:rPr lang="zh-TW" altLang="en-US" dirty="0"/>
@@ -3570,7 +3572,7 @@
               <a:t>要看你電腦的</a:t>
             </a:r>
             <a:r>
-              <a:rPr lang="en-US" altLang="zh-TW" dirty="0" err="1"/>
+              <a:rPr lang="en-US" altLang="zh-TW" dirty="0"/>
               <a:t>gcc</a:t>
             </a:r>
             <a:r>
@@ -3870,15 +3872,7 @@
           <a:p>
             <a:r>
               <a:rPr lang="en-US" altLang="zh-TW" dirty="0"/>
-              <a:t>while(</a:t>
-            </a:r>
-            <a:r>
-              <a:rPr lang="en-US" altLang="zh-TW" dirty="0" err="1"/>
-              <a:t>scanf</a:t>
-            </a:r>
-            <a:r>
-              <a:rPr lang="en-US" altLang="zh-TW" dirty="0"/>
-              <a:t>()==N)</a:t>
+              <a:t>while(scanf()==N)</a:t>
             </a:r>
             <a:endParaRPr lang="zh-TW" altLang="en-US" dirty="0"/>
           </a:p>
@@ -3906,12 +3900,8 @@
           <a:lstStyle/>
           <a:p>
             <a:r>
-              <a:rPr lang="en-US" altLang="zh-TW" dirty="0" err="1"/>
-              <a:t>scanf</a:t>
-            </a:r>
-            <a:r>
-              <a:rPr lang="en-US" altLang="zh-TW" dirty="0"/>
-              <a:t>()</a:t>
+              <a:rPr lang="en-US" altLang="zh-TW" dirty="0"/>
+              <a:t>scanf()</a:t>
             </a:r>
             <a:r>
               <a:rPr lang="zh-TW" altLang="en-US" dirty="0"/>
@@ -3965,10 +3955,9 @@
               <a:t>為</a:t>
             </a:r>
             <a:r>
-              <a:rPr lang="en-US" altLang="zh-TW" dirty="0" err="1"/>
+              <a:rPr lang="en-US" altLang="zh-TW" dirty="0"/>
               <a:t>ctrl+c</a:t>
             </a:r>
-            <a:endParaRPr lang="en-US" altLang="zh-TW" dirty="0"/>
           </a:p>
           <a:p>
             <a:r>
@@ -3980,10 +3969,9 @@
               <a:t>為</a:t>
             </a:r>
             <a:r>
-              <a:rPr lang="en-US" altLang="zh-TW" dirty="0" err="1"/>
+              <a:rPr lang="en-US" altLang="zh-TW" dirty="0"/>
               <a:t>ctrl+d</a:t>
             </a:r>
-            <a:endParaRPr lang="en-US" altLang="zh-TW" dirty="0"/>
           </a:p>
         </p:txBody>
       </p:sp>
@@ -4646,8 +4634,8 @@
               <a:t> 和 </a:t>
             </a:r>
             <a:r>
-              <a:rPr lang="en-US" altLang="zh-TW" dirty="0" err="1"/>
-              <a:t>colunm</a:t>
+              <a:rPr lang="en-US" altLang="zh-TW" dirty="0"/>
+              <a:t>column</a:t>
             </a:r>
             <a:r>
               <a:rPr lang="zh-TW" altLang="en-US" dirty="0"/>
@@ -5104,7 +5092,7 @@
         <p:spPr/>
         <p:txBody>
           <a:bodyPr>
-            <a:normAutofit lnSpcReduction="10000"/>
+            <a:normAutofit fontScale="92500"/>
           </a:bodyPr>
           <a:lstStyle/>
           <a:p>
@@ -5133,7 +5121,23 @@
           <a:p>
             <a:r>
               <a:rPr lang="zh-TW" altLang="en-US" dirty="0"/>
-              <a:t>若是奇數則將所有奇數位的字元輸出為</a:t>
+              <a:t>若是奇數則輸出</a:t>
+            </a:r>
+            <a:r>
+              <a:rPr lang="en-US" altLang="zh-TW" dirty="0"/>
+              <a:t>”N</a:t>
+            </a:r>
+            <a:r>
+              <a:rPr lang="zh-TW" altLang="en-US" dirty="0"/>
+              <a:t> </a:t>
+            </a:r>
+            <a:r>
+              <a:rPr lang="en-US" altLang="zh-TW" dirty="0"/>
+              <a:t>is an odd number.”</a:t>
+            </a:r>
+            <a:r>
+              <a:rPr lang="zh-TW" altLang="en-US" dirty="0"/>
+              <a:t>並將所有奇數位的字元輸出為</a:t>
             </a:r>
             <a:r>
               <a:rPr lang="en-US" altLang="zh-TW" dirty="0"/>
@@ -5151,7 +5155,15 @@
           <a:p>
             <a:r>
               <a:rPr lang="zh-TW" altLang="en-US" dirty="0"/>
-              <a:t>若是偶數則將所有偶數位的字元輸出為</a:t>
+              <a:t>若是偶數則輸出</a:t>
+            </a:r>
+            <a:r>
+              <a:rPr lang="en-US" altLang="zh-TW" dirty="0"/>
+              <a:t>”N is an even number.”</a:t>
+            </a:r>
+            <a:r>
+              <a:rPr lang="zh-TW" altLang="en-US" dirty="0"/>
+              <a:t>並將所有偶數位的字元輸出為</a:t>
             </a:r>
             <a:r>
               <a:rPr lang="en-US" altLang="zh-TW" dirty="0"/>
@@ -5228,10 +5240,10 @@
       </p:sp>
       <p:pic>
         <p:nvPicPr>
-          <p:cNvPr id="5" name="圖片 4">
-            <a:extLst>
-              <a:ext uri="{FF2B5EF4-FFF2-40B4-BE49-F238E27FC236}">
-                <a16:creationId xmlns:a16="http://schemas.microsoft.com/office/drawing/2014/main" id="{86A89DB5-2626-4828-BDBF-EB95C7F7123A}"/>
+          <p:cNvPr id="4" name="圖片 3">
+            <a:extLst>
+              <a:ext uri="{FF2B5EF4-FFF2-40B4-BE49-F238E27FC236}">
+                <a16:creationId xmlns:a16="http://schemas.microsoft.com/office/drawing/2014/main" id="{A5A70D2D-391F-4B26-B429-C78AEAA58278}"/>
               </a:ext>
             </a:extLst>
           </p:cNvPr>
@@ -5240,15 +5252,16 @@
           </p:cNvPicPr>
           <p:nvPr/>
         </p:nvPicPr>
-        <p:blipFill rotWithShape="1">
+        <p:blipFill>
           <a:blip r:embed="rId2"/>
-          <a:srcRect b="5408"/>
-          <a:stretch/>
+          <a:stretch>
+            <a:fillRect/>
+          </a:stretch>
         </p:blipFill>
         <p:spPr>
           <a:xfrm>
-            <a:off x="4112071" y="4760209"/>
-            <a:ext cx="5253871" cy="1419928"/>
+            <a:off x="3858273" y="4696410"/>
+            <a:ext cx="4966132" cy="1421465"/>
           </a:xfrm>
           <a:prstGeom prst="rect">
             <a:avLst/>
@@ -5437,7 +5450,18 @@
               <a:rPr lang="zh-TW" altLang="en-US" dirty="0"/>
               <a:t>個字串由後往前串接</a:t>
             </a:r>
-            <a:endParaRPr lang="en-US" altLang="zh-TW" dirty="0"/>
+            <a:r>
+              <a:rPr lang="en-US" altLang="zh-TW" dirty="0"/>
+              <a:t>(</a:t>
+            </a:r>
+            <a:r>
+              <a:rPr lang="zh-TW" altLang="en-US" dirty="0"/>
+              <a:t>總字串長度不超過</a:t>
+            </a:r>
+            <a:r>
+              <a:rPr lang="en-US" altLang="zh-TW" dirty="0"/>
+              <a:t>200)</a:t>
+            </a:r>
           </a:p>
           <a:p>
             <a:r>
@@ -5500,7 +5524,23 @@
                   <a:srgbClr val="C00000"/>
                 </a:solidFill>
               </a:rPr>
-              <a:t>可能不是正整數</a:t>
+              <a:t>可能不是正整數、如果非正整數時會視為</a:t>
+            </a:r>
+            <a:r>
+              <a:rPr lang="en-US" altLang="zh-TW" dirty="0">
+                <a:solidFill>
+                  <a:srgbClr val="C00000"/>
+                </a:solidFill>
+              </a:rPr>
+              <a:t>0</a:t>
+            </a:r>
+            <a:r>
+              <a:rPr lang="zh-TW" altLang="en-US" dirty="0">
+                <a:solidFill>
+                  <a:srgbClr val="C00000"/>
+                </a:solidFill>
+              </a:rPr>
+              <a:t>，不讀字串、直接繼續讀下一個測試</a:t>
             </a:r>
             <a:endParaRPr lang="en-US" altLang="zh-TW" dirty="0">
               <a:solidFill>
@@ -5509,9 +5549,6 @@
             </a:endParaRPr>
           </a:p>
           <a:p>
-            <a:endParaRPr lang="en-US" altLang="zh-TW" dirty="0"/>
-          </a:p>
-          <a:p>
             <a:r>
               <a:rPr lang="en-US" altLang="zh-TW" dirty="0"/>
               <a:t>Sample</a:t>
@@ -5575,7 +5612,7 @@
             </a:pPr>
             <a:r>
               <a:rPr lang="en-US" altLang="zh-TW" sz="1600" dirty="0"/>
-              <a:t>4</a:t>
+              <a:t>-1</a:t>
             </a:r>
           </a:p>
           <a:p>
@@ -5584,7 +5621,7 @@
             </a:pPr>
             <a:r>
               <a:rPr lang="en-US" altLang="zh-TW" sz="1600" dirty="0"/>
-              <a:t>str1</a:t>
+              <a:t>4</a:t>
             </a:r>
           </a:p>
           <a:p>
@@ -5593,7 +5630,7 @@
             </a:pPr>
             <a:r>
               <a:rPr lang="en-US" altLang="zh-TW" sz="1600" dirty="0"/>
-              <a:t>str2</a:t>
+              <a:t>str1</a:t>
             </a:r>
           </a:p>
           <a:p>
@@ -5602,7 +5639,7 @@
             </a:pPr>
             <a:r>
               <a:rPr lang="en-US" altLang="zh-TW" sz="1600" dirty="0"/>
-              <a:t>str3</a:t>
+              <a:t>str2</a:t>
             </a:r>
           </a:p>
           <a:p>
@@ -5611,6 +5648,15 @@
             </a:pPr>
             <a:r>
               <a:rPr lang="en-US" altLang="zh-TW" sz="1600" dirty="0"/>
+              <a:t>str3</a:t>
+            </a:r>
+          </a:p>
+          <a:p>
+            <a:pPr marL="457200" lvl="1" indent="0">
+              <a:buNone/>
+            </a:pPr>
+            <a:r>
+              <a:rPr lang="en-US" altLang="zh-TW" sz="1600" dirty="0"/>
               <a:t>end</a:t>
             </a:r>
             <a:endParaRPr lang="en-US" altLang="zh-TW" sz="2100" dirty="0"/>
@@ -5619,10 +5665,10 @@
       </p:sp>
       <p:pic>
         <p:nvPicPr>
-          <p:cNvPr id="4" name="圖片 3">
-            <a:extLst>
-              <a:ext uri="{FF2B5EF4-FFF2-40B4-BE49-F238E27FC236}">
-                <a16:creationId xmlns:a16="http://schemas.microsoft.com/office/drawing/2014/main" id="{759538FB-9274-4C61-8DD7-7C4D01FF0B98}"/>
+          <p:cNvPr id="5" name="圖片 4">
+            <a:extLst>
+              <a:ext uri="{FF2B5EF4-FFF2-40B4-BE49-F238E27FC236}">
+                <a16:creationId xmlns:a16="http://schemas.microsoft.com/office/drawing/2014/main" id="{6D980948-7F7D-45ED-833C-4BF36ADDB00D}"/>
               </a:ext>
             </a:extLst>
           </p:cNvPr>
@@ -5639,8 +5685,8 @@
         </p:blipFill>
         <p:spPr>
           <a:xfrm>
-            <a:off x="3669761" y="3630442"/>
-            <a:ext cx="1834396" cy="2549695"/>
+            <a:off x="3904694" y="3714609"/>
+            <a:ext cx="1679359" cy="2603006"/>
           </a:xfrm>
           <a:prstGeom prst="rect">
             <a:avLst/>
@@ -5887,6 +5933,1201 @@
 </p:sld>
 </file>
 
+<file path=ppt/slides/slide22.xml><?xml version="1.0" encoding="utf-8"?>
+<p:sld xmlns:a="http://schemas.openxmlformats.org/drawingml/2006/main" xmlns:r="http://schemas.openxmlformats.org/officeDocument/2006/relationships" xmlns:p="http://schemas.openxmlformats.org/presentationml/2006/main">
+  <p:cSld>
+    <p:spTree>
+      <p:nvGrpSpPr>
+        <p:cNvPr id="1" name=""/>
+        <p:cNvGrpSpPr/>
+        <p:nvPr/>
+      </p:nvGrpSpPr>
+      <p:grpSpPr>
+        <a:xfrm>
+          <a:off x="0" y="0"/>
+          <a:ext cx="0" cy="0"/>
+          <a:chOff x="0" y="0"/>
+          <a:chExt cx="0" cy="0"/>
+        </a:xfrm>
+      </p:grpSpPr>
+      <p:sp>
+        <p:nvSpPr>
+          <p:cNvPr id="2" name="標題 1">
+            <a:extLst>
+              <a:ext uri="{FF2B5EF4-FFF2-40B4-BE49-F238E27FC236}">
+                <a16:creationId xmlns:a16="http://schemas.microsoft.com/office/drawing/2014/main" id="{3EBC76C0-6A1A-4C4C-AA7C-A78220A859B6}"/>
+              </a:ext>
+            </a:extLst>
+          </p:cNvPr>
+          <p:cNvSpPr>
+            <a:spLocks noGrp="1"/>
+          </p:cNvSpPr>
+          <p:nvPr>
+            <p:ph type="title"/>
+          </p:nvPr>
+        </p:nvSpPr>
+        <p:spPr/>
+        <p:txBody>
+          <a:bodyPr/>
+          <a:lstStyle/>
+          <a:p>
+            <a:r>
+              <a:rPr lang="zh-TW" altLang="en-US" dirty="0"/>
+              <a:t>線上練習、能力競賽</a:t>
+            </a:r>
+          </a:p>
+        </p:txBody>
+      </p:sp>
+      <p:sp>
+        <p:nvSpPr>
+          <p:cNvPr id="3" name="文字版面配置區 2">
+            <a:extLst>
+              <a:ext uri="{FF2B5EF4-FFF2-40B4-BE49-F238E27FC236}">
+                <a16:creationId xmlns:a16="http://schemas.microsoft.com/office/drawing/2014/main" id="{4F062457-4869-4761-8287-3806D8C3C454}"/>
+              </a:ext>
+            </a:extLst>
+          </p:cNvPr>
+          <p:cNvSpPr>
+            <a:spLocks noGrp="1"/>
+          </p:cNvSpPr>
+          <p:nvPr>
+            <p:ph type="body" idx="1"/>
+          </p:nvPr>
+        </p:nvSpPr>
+        <p:spPr/>
+        <p:txBody>
+          <a:bodyPr/>
+          <a:lstStyle/>
+          <a:p>
+            <a:endParaRPr lang="zh-TW" altLang="en-US"/>
+          </a:p>
+        </p:txBody>
+      </p:sp>
+    </p:spTree>
+    <p:extLst>
+      <p:ext uri="{BB962C8B-B14F-4D97-AF65-F5344CB8AC3E}">
+        <p14:creationId xmlns:p14="http://schemas.microsoft.com/office/powerpoint/2010/main" val="2168473058"/>
+      </p:ext>
+    </p:extLst>
+  </p:cSld>
+  <p:clrMapOvr>
+    <a:masterClrMapping/>
+  </p:clrMapOvr>
+</p:sld>
+</file>
+
+<file path=ppt/slides/slide23.xml><?xml version="1.0" encoding="utf-8"?>
+<p:sld xmlns:a="http://schemas.openxmlformats.org/drawingml/2006/main" xmlns:r="http://schemas.openxmlformats.org/officeDocument/2006/relationships" xmlns:p="http://schemas.openxmlformats.org/presentationml/2006/main">
+  <p:cSld>
+    <p:spTree>
+      <p:nvGrpSpPr>
+        <p:cNvPr id="1" name=""/>
+        <p:cNvGrpSpPr/>
+        <p:nvPr/>
+      </p:nvGrpSpPr>
+      <p:grpSpPr>
+        <a:xfrm>
+          <a:off x="0" y="0"/>
+          <a:ext cx="0" cy="0"/>
+          <a:chOff x="0" y="0"/>
+          <a:chExt cx="0" cy="0"/>
+        </a:xfrm>
+      </p:grpSpPr>
+      <p:sp>
+        <p:nvSpPr>
+          <p:cNvPr id="2" name="標題 1">
+            <a:extLst>
+              <a:ext uri="{FF2B5EF4-FFF2-40B4-BE49-F238E27FC236}">
+                <a16:creationId xmlns:a16="http://schemas.microsoft.com/office/drawing/2014/main" id="{8D314F36-B334-44D2-824B-FA8E7186049F}"/>
+              </a:ext>
+            </a:extLst>
+          </p:cNvPr>
+          <p:cNvSpPr>
+            <a:spLocks noGrp="1"/>
+          </p:cNvSpPr>
+          <p:nvPr>
+            <p:ph type="title"/>
+          </p:nvPr>
+        </p:nvSpPr>
+        <p:spPr/>
+        <p:txBody>
+          <a:bodyPr/>
+          <a:lstStyle/>
+          <a:p>
+            <a:r>
+              <a:rPr lang="en-US" altLang="zh-TW" dirty="0" err="1"/>
+              <a:t>UVa</a:t>
+            </a:r>
+            <a:r>
+              <a:rPr lang="en-US" altLang="zh-TW" dirty="0"/>
+              <a:t> Online Judge</a:t>
+            </a:r>
+            <a:endParaRPr lang="zh-TW" altLang="en-US" dirty="0"/>
+          </a:p>
+        </p:txBody>
+      </p:sp>
+      <p:sp>
+        <p:nvSpPr>
+          <p:cNvPr id="3" name="內容版面配置區 2">
+            <a:extLst>
+              <a:ext uri="{FF2B5EF4-FFF2-40B4-BE49-F238E27FC236}">
+                <a16:creationId xmlns:a16="http://schemas.microsoft.com/office/drawing/2014/main" id="{423FAC7A-1FF7-4F39-BB9D-5E1317752068}"/>
+              </a:ext>
+            </a:extLst>
+          </p:cNvPr>
+          <p:cNvSpPr>
+            <a:spLocks noGrp="1"/>
+          </p:cNvSpPr>
+          <p:nvPr>
+            <p:ph idx="1"/>
+          </p:nvPr>
+        </p:nvSpPr>
+        <p:spPr>
+          <a:xfrm>
+            <a:off x="845127" y="1828800"/>
+            <a:ext cx="10515600" cy="4351337"/>
+          </a:xfrm>
+        </p:spPr>
+        <p:txBody>
+          <a:bodyPr/>
+          <a:lstStyle/>
+          <a:p>
+            <a:r>
+              <a:rPr lang="en-US" altLang="zh-TW" dirty="0">
+                <a:hlinkClick r:id="rId2"/>
+              </a:rPr>
+              <a:t>https://uva.onlinejudge.org</a:t>
+            </a:r>
+            <a:endParaRPr lang="en-US" altLang="zh-TW" dirty="0"/>
+          </a:p>
+          <a:p>
+            <a:endParaRPr lang="zh-TW" altLang="en-US" dirty="0"/>
+          </a:p>
+        </p:txBody>
+      </p:sp>
+      <p:pic>
+        <p:nvPicPr>
+          <p:cNvPr id="5" name="圖片 4">
+            <a:extLst>
+              <a:ext uri="{FF2B5EF4-FFF2-40B4-BE49-F238E27FC236}">
+                <a16:creationId xmlns:a16="http://schemas.microsoft.com/office/drawing/2014/main" id="{D016BCF2-E2B1-4056-BE54-2AF3EDDC84AF}"/>
+              </a:ext>
+            </a:extLst>
+          </p:cNvPr>
+          <p:cNvPicPr>
+            <a:picLocks noChangeAspect="1"/>
+          </p:cNvPicPr>
+          <p:nvPr/>
+        </p:nvPicPr>
+        <p:blipFill>
+          <a:blip r:embed="rId3"/>
+          <a:stretch>
+            <a:fillRect/>
+          </a:stretch>
+        </p:blipFill>
+        <p:spPr>
+          <a:xfrm>
+            <a:off x="1791911" y="2417828"/>
+            <a:ext cx="8340469" cy="4351336"/>
+          </a:xfrm>
+          <a:prstGeom prst="rect">
+            <a:avLst/>
+          </a:prstGeom>
+        </p:spPr>
+      </p:pic>
+    </p:spTree>
+    <p:extLst>
+      <p:ext uri="{BB962C8B-B14F-4D97-AF65-F5344CB8AC3E}">
+        <p14:creationId xmlns:p14="http://schemas.microsoft.com/office/powerpoint/2010/main" val="4035661776"/>
+      </p:ext>
+    </p:extLst>
+  </p:cSld>
+  <p:clrMapOvr>
+    <a:masterClrMapping/>
+  </p:clrMapOvr>
+</p:sld>
+</file>
+
+<file path=ppt/slides/slide24.xml><?xml version="1.0" encoding="utf-8"?>
+<p:sld xmlns:a="http://schemas.openxmlformats.org/drawingml/2006/main" xmlns:r="http://schemas.openxmlformats.org/officeDocument/2006/relationships" xmlns:p="http://schemas.openxmlformats.org/presentationml/2006/main">
+  <p:cSld>
+    <p:spTree>
+      <p:nvGrpSpPr>
+        <p:cNvPr id="1" name=""/>
+        <p:cNvGrpSpPr/>
+        <p:nvPr/>
+      </p:nvGrpSpPr>
+      <p:grpSpPr>
+        <a:xfrm>
+          <a:off x="0" y="0"/>
+          <a:ext cx="0" cy="0"/>
+          <a:chOff x="0" y="0"/>
+          <a:chExt cx="0" cy="0"/>
+        </a:xfrm>
+      </p:grpSpPr>
+      <p:sp>
+        <p:nvSpPr>
+          <p:cNvPr id="2" name="標題 1">
+            <a:extLst>
+              <a:ext uri="{FF2B5EF4-FFF2-40B4-BE49-F238E27FC236}">
+                <a16:creationId xmlns:a16="http://schemas.microsoft.com/office/drawing/2014/main" id="{35662941-12D0-4961-AFD9-D7796F0C593E}"/>
+              </a:ext>
+            </a:extLst>
+          </p:cNvPr>
+          <p:cNvSpPr>
+            <a:spLocks noGrp="1"/>
+          </p:cNvSpPr>
+          <p:nvPr>
+            <p:ph type="title"/>
+          </p:nvPr>
+        </p:nvSpPr>
+        <p:spPr/>
+        <p:txBody>
+          <a:bodyPr/>
+          <a:lstStyle/>
+          <a:p>
+            <a:r>
+              <a:rPr lang="en-US" altLang="zh-TW" dirty="0" err="1"/>
+              <a:t>UVa</a:t>
+            </a:r>
+            <a:r>
+              <a:rPr lang="en-US" altLang="zh-TW" dirty="0"/>
+              <a:t> Online Judge</a:t>
+            </a:r>
+            <a:endParaRPr lang="zh-TW" altLang="en-US" dirty="0"/>
+          </a:p>
+        </p:txBody>
+      </p:sp>
+      <p:sp>
+        <p:nvSpPr>
+          <p:cNvPr id="3" name="內容版面配置區 2">
+            <a:extLst>
+              <a:ext uri="{FF2B5EF4-FFF2-40B4-BE49-F238E27FC236}">
+                <a16:creationId xmlns:a16="http://schemas.microsoft.com/office/drawing/2014/main" id="{E58DA50F-892A-4D81-A41F-B314BF41D052}"/>
+              </a:ext>
+            </a:extLst>
+          </p:cNvPr>
+          <p:cNvSpPr>
+            <a:spLocks noGrp="1"/>
+          </p:cNvSpPr>
+          <p:nvPr>
+            <p:ph idx="1"/>
+          </p:nvPr>
+        </p:nvSpPr>
+        <p:spPr/>
+        <p:txBody>
+          <a:bodyPr/>
+          <a:lstStyle/>
+          <a:p>
+            <a:r>
+              <a:rPr lang="en-US" altLang="zh-TW" dirty="0" err="1"/>
+              <a:t>UVa</a:t>
+            </a:r>
+            <a:r>
+              <a:rPr lang="zh-TW" altLang="en-US" dirty="0"/>
+              <a:t>註冊登入後</a:t>
+            </a:r>
+            <a:endParaRPr lang="en-US" altLang="zh-TW" dirty="0"/>
+          </a:p>
+          <a:p>
+            <a:endParaRPr lang="en-US" altLang="zh-TW" dirty="0"/>
+          </a:p>
+          <a:p>
+            <a:r>
+              <a:rPr lang="zh-TW" altLang="en-US" dirty="0"/>
+              <a:t>於左端介面選單選</a:t>
+            </a:r>
+            <a:r>
+              <a:rPr lang="en-US" altLang="zh-TW" dirty="0"/>
+              <a:t/>
+            </a:r>
+            <a:br>
+              <a:rPr lang="en-US" altLang="zh-TW" dirty="0"/>
+            </a:br>
+            <a:r>
+              <a:rPr lang="zh-TW" altLang="en-US" dirty="0"/>
+              <a:t>擇</a:t>
+            </a:r>
+            <a:r>
+              <a:rPr lang="en-US" altLang="zh-TW" dirty="0"/>
+              <a:t>Browse</a:t>
+            </a:r>
+            <a:r>
+              <a:rPr lang="zh-TW" altLang="en-US" dirty="0"/>
+              <a:t> </a:t>
+            </a:r>
+            <a:r>
+              <a:rPr lang="en-US" altLang="zh-TW" dirty="0"/>
+              <a:t>Problems</a:t>
+            </a:r>
+            <a:br>
+              <a:rPr lang="en-US" altLang="zh-TW" dirty="0"/>
+            </a:br>
+            <a:r>
+              <a:rPr lang="zh-TW" altLang="en-US" dirty="0"/>
+              <a:t>觀看題庫</a:t>
+            </a:r>
+            <a:endParaRPr lang="en-US" altLang="zh-TW" dirty="0"/>
+          </a:p>
+          <a:p>
+            <a:endParaRPr lang="en-US" altLang="zh-TW" dirty="0"/>
+          </a:p>
+          <a:p>
+            <a:r>
+              <a:rPr lang="zh-TW" altLang="en-US" dirty="0"/>
+              <a:t>建議選擇上面兩個</a:t>
+            </a:r>
+            <a:r>
+              <a:rPr lang="en-US" altLang="zh-TW" dirty="0"/>
+              <a:t/>
+            </a:r>
+            <a:br>
+              <a:rPr lang="en-US" altLang="zh-TW" dirty="0"/>
+            </a:br>
+            <a:r>
+              <a:rPr lang="zh-TW" altLang="en-US" dirty="0"/>
+              <a:t>資料夾裡面的題目</a:t>
+            </a:r>
+            <a:endParaRPr lang="en-US" altLang="zh-TW" dirty="0"/>
+          </a:p>
+          <a:p>
+            <a:endParaRPr lang="en-US" altLang="zh-TW" dirty="0"/>
+          </a:p>
+        </p:txBody>
+      </p:sp>
+      <p:pic>
+        <p:nvPicPr>
+          <p:cNvPr id="4" name="圖片 3">
+            <a:extLst>
+              <a:ext uri="{FF2B5EF4-FFF2-40B4-BE49-F238E27FC236}">
+                <a16:creationId xmlns:a16="http://schemas.microsoft.com/office/drawing/2014/main" id="{B869FD3A-20C3-480D-9FD3-8B4DB5BB279D}"/>
+              </a:ext>
+            </a:extLst>
+          </p:cNvPr>
+          <p:cNvPicPr>
+            <a:picLocks noChangeAspect="1"/>
+          </p:cNvPicPr>
+          <p:nvPr/>
+        </p:nvPicPr>
+        <p:blipFill>
+          <a:blip r:embed="rId2"/>
+          <a:stretch>
+            <a:fillRect/>
+          </a:stretch>
+        </p:blipFill>
+        <p:spPr>
+          <a:xfrm>
+            <a:off x="4110364" y="1878609"/>
+            <a:ext cx="1751251" cy="3659624"/>
+          </a:xfrm>
+          <a:prstGeom prst="rect">
+            <a:avLst/>
+          </a:prstGeom>
+        </p:spPr>
+      </p:pic>
+      <p:pic>
+        <p:nvPicPr>
+          <p:cNvPr id="5" name="圖片 4">
+            <a:extLst>
+              <a:ext uri="{FF2B5EF4-FFF2-40B4-BE49-F238E27FC236}">
+                <a16:creationId xmlns:a16="http://schemas.microsoft.com/office/drawing/2014/main" id="{32494EA7-80AF-460D-A817-06C590A523FD}"/>
+              </a:ext>
+            </a:extLst>
+          </p:cNvPr>
+          <p:cNvPicPr>
+            <a:picLocks noChangeAspect="1"/>
+          </p:cNvPicPr>
+          <p:nvPr/>
+        </p:nvPicPr>
+        <p:blipFill>
+          <a:blip r:embed="rId3"/>
+          <a:stretch>
+            <a:fillRect/>
+          </a:stretch>
+        </p:blipFill>
+        <p:spPr>
+          <a:xfrm>
+            <a:off x="6001304" y="1807587"/>
+            <a:ext cx="5956356" cy="3858389"/>
+          </a:xfrm>
+          <a:prstGeom prst="rect">
+            <a:avLst/>
+          </a:prstGeom>
+        </p:spPr>
+      </p:pic>
+    </p:spTree>
+    <p:extLst>
+      <p:ext uri="{BB962C8B-B14F-4D97-AF65-F5344CB8AC3E}">
+        <p14:creationId xmlns:p14="http://schemas.microsoft.com/office/powerpoint/2010/main" val="2186244087"/>
+      </p:ext>
+    </p:extLst>
+  </p:cSld>
+  <p:clrMapOvr>
+    <a:masterClrMapping/>
+  </p:clrMapOvr>
+</p:sld>
+</file>
+
+<file path=ppt/slides/slide25.xml><?xml version="1.0" encoding="utf-8"?>
+<p:sld xmlns:a="http://schemas.openxmlformats.org/drawingml/2006/main" xmlns:r="http://schemas.openxmlformats.org/officeDocument/2006/relationships" xmlns:p="http://schemas.openxmlformats.org/presentationml/2006/main">
+  <p:cSld>
+    <p:spTree>
+      <p:nvGrpSpPr>
+        <p:cNvPr id="1" name=""/>
+        <p:cNvGrpSpPr/>
+        <p:nvPr/>
+      </p:nvGrpSpPr>
+      <p:grpSpPr>
+        <a:xfrm>
+          <a:off x="0" y="0"/>
+          <a:ext cx="0" cy="0"/>
+          <a:chOff x="0" y="0"/>
+          <a:chExt cx="0" cy="0"/>
+        </a:xfrm>
+      </p:grpSpPr>
+      <p:sp>
+        <p:nvSpPr>
+          <p:cNvPr id="2" name="標題 1">
+            <a:extLst>
+              <a:ext uri="{FF2B5EF4-FFF2-40B4-BE49-F238E27FC236}">
+                <a16:creationId xmlns:a16="http://schemas.microsoft.com/office/drawing/2014/main" id="{79431882-95D4-462F-AB98-3A5838C7C96B}"/>
+              </a:ext>
+            </a:extLst>
+          </p:cNvPr>
+          <p:cNvSpPr>
+            <a:spLocks noGrp="1"/>
+          </p:cNvSpPr>
+          <p:nvPr>
+            <p:ph type="title"/>
+          </p:nvPr>
+        </p:nvSpPr>
+        <p:spPr/>
+        <p:txBody>
+          <a:bodyPr/>
+          <a:lstStyle/>
+          <a:p>
+            <a:endParaRPr lang="zh-TW" altLang="en-US"/>
+          </a:p>
+        </p:txBody>
+      </p:sp>
+      <p:sp>
+        <p:nvSpPr>
+          <p:cNvPr id="3" name="內容版面配置區 2">
+            <a:extLst>
+              <a:ext uri="{FF2B5EF4-FFF2-40B4-BE49-F238E27FC236}">
+                <a16:creationId xmlns:a16="http://schemas.microsoft.com/office/drawing/2014/main" id="{97889806-CFF6-415E-BA18-C1404E36A540}"/>
+              </a:ext>
+            </a:extLst>
+          </p:cNvPr>
+          <p:cNvSpPr>
+            <a:spLocks noGrp="1"/>
+          </p:cNvSpPr>
+          <p:nvPr>
+            <p:ph idx="1"/>
+          </p:nvPr>
+        </p:nvSpPr>
+        <p:spPr/>
+        <p:txBody>
+          <a:bodyPr/>
+          <a:lstStyle/>
+          <a:p>
+            <a:endParaRPr lang="zh-TW" altLang="en-US"/>
+          </a:p>
+        </p:txBody>
+      </p:sp>
+      <p:pic>
+        <p:nvPicPr>
+          <p:cNvPr id="4" name="圖片 3">
+            <a:extLst>
+              <a:ext uri="{FF2B5EF4-FFF2-40B4-BE49-F238E27FC236}">
+                <a16:creationId xmlns:a16="http://schemas.microsoft.com/office/drawing/2014/main" id="{56E9D454-2399-4023-BCE2-7F37A1C573FD}"/>
+              </a:ext>
+            </a:extLst>
+          </p:cNvPr>
+          <p:cNvPicPr>
+            <a:picLocks noChangeAspect="1"/>
+          </p:cNvPicPr>
+          <p:nvPr/>
+        </p:nvPicPr>
+        <p:blipFill>
+          <a:blip r:embed="rId2"/>
+          <a:stretch>
+            <a:fillRect/>
+          </a:stretch>
+        </p:blipFill>
+        <p:spPr>
+          <a:xfrm>
+            <a:off x="1691143" y="0"/>
+            <a:ext cx="8809714" cy="6858000"/>
+          </a:xfrm>
+          <a:prstGeom prst="rect">
+            <a:avLst/>
+          </a:prstGeom>
+        </p:spPr>
+      </p:pic>
+    </p:spTree>
+    <p:extLst>
+      <p:ext uri="{BB962C8B-B14F-4D97-AF65-F5344CB8AC3E}">
+        <p14:creationId xmlns:p14="http://schemas.microsoft.com/office/powerpoint/2010/main" val="477797415"/>
+      </p:ext>
+    </p:extLst>
+  </p:cSld>
+  <p:clrMapOvr>
+    <a:masterClrMapping/>
+  </p:clrMapOvr>
+</p:sld>
+</file>
+
+<file path=ppt/slides/slide26.xml><?xml version="1.0" encoding="utf-8"?>
+<p:sld xmlns:a="http://schemas.openxmlformats.org/drawingml/2006/main" xmlns:r="http://schemas.openxmlformats.org/officeDocument/2006/relationships" xmlns:p="http://schemas.openxmlformats.org/presentationml/2006/main">
+  <p:cSld>
+    <p:spTree>
+      <p:nvGrpSpPr>
+        <p:cNvPr id="1" name=""/>
+        <p:cNvGrpSpPr/>
+        <p:nvPr/>
+      </p:nvGrpSpPr>
+      <p:grpSpPr>
+        <a:xfrm>
+          <a:off x="0" y="0"/>
+          <a:ext cx="0" cy="0"/>
+          <a:chOff x="0" y="0"/>
+          <a:chExt cx="0" cy="0"/>
+        </a:xfrm>
+      </p:grpSpPr>
+      <p:sp>
+        <p:nvSpPr>
+          <p:cNvPr id="2" name="標題 1">
+            <a:extLst>
+              <a:ext uri="{FF2B5EF4-FFF2-40B4-BE49-F238E27FC236}">
+                <a16:creationId xmlns:a16="http://schemas.microsoft.com/office/drawing/2014/main" id="{2685BFE0-83B8-47C1-9C10-38E244D69253}"/>
+              </a:ext>
+            </a:extLst>
+          </p:cNvPr>
+          <p:cNvSpPr>
+            <a:spLocks noGrp="1"/>
+          </p:cNvSpPr>
+          <p:nvPr>
+            <p:ph type="title"/>
+          </p:nvPr>
+        </p:nvSpPr>
+        <p:spPr/>
+        <p:txBody>
+          <a:bodyPr/>
+          <a:lstStyle/>
+          <a:p>
+            <a:endParaRPr lang="zh-TW" altLang="en-US"/>
+          </a:p>
+        </p:txBody>
+      </p:sp>
+      <p:sp>
+        <p:nvSpPr>
+          <p:cNvPr id="3" name="內容版面配置區 2">
+            <a:extLst>
+              <a:ext uri="{FF2B5EF4-FFF2-40B4-BE49-F238E27FC236}">
+                <a16:creationId xmlns:a16="http://schemas.microsoft.com/office/drawing/2014/main" id="{1C1E1B7A-A25C-469E-8091-05E4D8A2AEB1}"/>
+              </a:ext>
+            </a:extLst>
+          </p:cNvPr>
+          <p:cNvSpPr>
+            <a:spLocks noGrp="1"/>
+          </p:cNvSpPr>
+          <p:nvPr>
+            <p:ph idx="1"/>
+          </p:nvPr>
+        </p:nvSpPr>
+        <p:spPr/>
+        <p:txBody>
+          <a:bodyPr/>
+          <a:lstStyle/>
+          <a:p>
+            <a:endParaRPr lang="zh-TW" altLang="en-US"/>
+          </a:p>
+        </p:txBody>
+      </p:sp>
+      <p:pic>
+        <p:nvPicPr>
+          <p:cNvPr id="5" name="圖片 4">
+            <a:extLst>
+              <a:ext uri="{FF2B5EF4-FFF2-40B4-BE49-F238E27FC236}">
+                <a16:creationId xmlns:a16="http://schemas.microsoft.com/office/drawing/2014/main" id="{1DBA486F-D0CF-40BE-9A76-823D4CF55976}"/>
+              </a:ext>
+            </a:extLst>
+          </p:cNvPr>
+          <p:cNvPicPr>
+            <a:picLocks noChangeAspect="1"/>
+          </p:cNvPicPr>
+          <p:nvPr/>
+        </p:nvPicPr>
+        <p:blipFill>
+          <a:blip r:embed="rId2"/>
+          <a:stretch>
+            <a:fillRect/>
+          </a:stretch>
+        </p:blipFill>
+        <p:spPr>
+          <a:xfrm>
+            <a:off x="845127" y="0"/>
+            <a:ext cx="10152614" cy="6858000"/>
+          </a:xfrm>
+          <a:prstGeom prst="rect">
+            <a:avLst/>
+          </a:prstGeom>
+        </p:spPr>
+      </p:pic>
+    </p:spTree>
+    <p:extLst>
+      <p:ext uri="{BB962C8B-B14F-4D97-AF65-F5344CB8AC3E}">
+        <p14:creationId xmlns:p14="http://schemas.microsoft.com/office/powerpoint/2010/main" val="2049087400"/>
+      </p:ext>
+    </p:extLst>
+  </p:cSld>
+  <p:clrMapOvr>
+    <a:masterClrMapping/>
+  </p:clrMapOvr>
+</p:sld>
+</file>
+
+<file path=ppt/slides/slide27.xml><?xml version="1.0" encoding="utf-8"?>
+<p:sld xmlns:a="http://schemas.openxmlformats.org/drawingml/2006/main" xmlns:r="http://schemas.openxmlformats.org/officeDocument/2006/relationships" xmlns:p="http://schemas.openxmlformats.org/presentationml/2006/main">
+  <p:cSld>
+    <p:spTree>
+      <p:nvGrpSpPr>
+        <p:cNvPr id="1" name=""/>
+        <p:cNvGrpSpPr/>
+        <p:nvPr/>
+      </p:nvGrpSpPr>
+      <p:grpSpPr>
+        <a:xfrm>
+          <a:off x="0" y="0"/>
+          <a:ext cx="0" cy="0"/>
+          <a:chOff x="0" y="0"/>
+          <a:chExt cx="0" cy="0"/>
+        </a:xfrm>
+      </p:grpSpPr>
+      <p:sp>
+        <p:nvSpPr>
+          <p:cNvPr id="2" name="標題 1">
+            <a:extLst>
+              <a:ext uri="{FF2B5EF4-FFF2-40B4-BE49-F238E27FC236}">
+                <a16:creationId xmlns:a16="http://schemas.microsoft.com/office/drawing/2014/main" id="{4D9A0D84-05D7-488C-88D6-60D53C4D93AA}"/>
+              </a:ext>
+            </a:extLst>
+          </p:cNvPr>
+          <p:cNvSpPr>
+            <a:spLocks noGrp="1"/>
+          </p:cNvSpPr>
+          <p:nvPr>
+            <p:ph type="title"/>
+          </p:nvPr>
+        </p:nvSpPr>
+        <p:spPr/>
+        <p:txBody>
+          <a:bodyPr/>
+          <a:lstStyle/>
+          <a:p>
+            <a:endParaRPr lang="zh-TW" altLang="en-US"/>
+          </a:p>
+        </p:txBody>
+      </p:sp>
+      <p:sp>
+        <p:nvSpPr>
+          <p:cNvPr id="3" name="內容版面配置區 2">
+            <a:extLst>
+              <a:ext uri="{FF2B5EF4-FFF2-40B4-BE49-F238E27FC236}">
+                <a16:creationId xmlns:a16="http://schemas.microsoft.com/office/drawing/2014/main" id="{EB63219E-B898-4EFF-AFA4-610D7DFA7545}"/>
+              </a:ext>
+            </a:extLst>
+          </p:cNvPr>
+          <p:cNvSpPr>
+            <a:spLocks noGrp="1"/>
+          </p:cNvSpPr>
+          <p:nvPr>
+            <p:ph idx="1"/>
+          </p:nvPr>
+        </p:nvSpPr>
+        <p:spPr/>
+        <p:txBody>
+          <a:bodyPr/>
+          <a:lstStyle/>
+          <a:p>
+            <a:endParaRPr lang="zh-TW" altLang="en-US"/>
+          </a:p>
+        </p:txBody>
+      </p:sp>
+      <p:pic>
+        <p:nvPicPr>
+          <p:cNvPr id="4" name="圖片 3">
+            <a:extLst>
+              <a:ext uri="{FF2B5EF4-FFF2-40B4-BE49-F238E27FC236}">
+                <a16:creationId xmlns:a16="http://schemas.microsoft.com/office/drawing/2014/main" id="{7C0FD62A-5F30-40C6-88CD-950CCA7D30BE}"/>
+              </a:ext>
+            </a:extLst>
+          </p:cNvPr>
+          <p:cNvPicPr>
+            <a:picLocks noChangeAspect="1"/>
+          </p:cNvPicPr>
+          <p:nvPr/>
+        </p:nvPicPr>
+        <p:blipFill>
+          <a:blip r:embed="rId2"/>
+          <a:stretch>
+            <a:fillRect/>
+          </a:stretch>
+        </p:blipFill>
+        <p:spPr>
+          <a:xfrm>
+            <a:off x="1639688" y="0"/>
+            <a:ext cx="8912623" cy="6858000"/>
+          </a:xfrm>
+          <a:prstGeom prst="rect">
+            <a:avLst/>
+          </a:prstGeom>
+        </p:spPr>
+      </p:pic>
+    </p:spTree>
+    <p:extLst>
+      <p:ext uri="{BB962C8B-B14F-4D97-AF65-F5344CB8AC3E}">
+        <p14:creationId xmlns:p14="http://schemas.microsoft.com/office/powerpoint/2010/main" val="3561872964"/>
+      </p:ext>
+    </p:extLst>
+  </p:cSld>
+  <p:clrMapOvr>
+    <a:masterClrMapping/>
+  </p:clrMapOvr>
+</p:sld>
+</file>
+
+<file path=ppt/slides/slide28.xml><?xml version="1.0" encoding="utf-8"?>
+<p:sld xmlns:a="http://schemas.openxmlformats.org/drawingml/2006/main" xmlns:r="http://schemas.openxmlformats.org/officeDocument/2006/relationships" xmlns:p="http://schemas.openxmlformats.org/presentationml/2006/main">
+  <p:cSld>
+    <p:spTree>
+      <p:nvGrpSpPr>
+        <p:cNvPr id="1" name=""/>
+        <p:cNvGrpSpPr/>
+        <p:nvPr/>
+      </p:nvGrpSpPr>
+      <p:grpSpPr>
+        <a:xfrm>
+          <a:off x="0" y="0"/>
+          <a:ext cx="0" cy="0"/>
+          <a:chOff x="0" y="0"/>
+          <a:chExt cx="0" cy="0"/>
+        </a:xfrm>
+      </p:grpSpPr>
+      <p:sp>
+        <p:nvSpPr>
+          <p:cNvPr id="2" name="標題 1">
+            <a:extLst>
+              <a:ext uri="{FF2B5EF4-FFF2-40B4-BE49-F238E27FC236}">
+                <a16:creationId xmlns:a16="http://schemas.microsoft.com/office/drawing/2014/main" id="{1996F64B-2EFC-4370-A3A9-3B7771526FAE}"/>
+              </a:ext>
+            </a:extLst>
+          </p:cNvPr>
+          <p:cNvSpPr>
+            <a:spLocks noGrp="1"/>
+          </p:cNvSpPr>
+          <p:nvPr>
+            <p:ph type="title"/>
+          </p:nvPr>
+        </p:nvSpPr>
+        <p:spPr/>
+        <p:txBody>
+          <a:bodyPr/>
+          <a:lstStyle/>
+          <a:p>
+            <a:r>
+              <a:rPr lang="en-US" altLang="zh-TW" dirty="0" err="1"/>
+              <a:t>UVa</a:t>
+            </a:r>
+            <a:r>
+              <a:rPr lang="en-US" altLang="zh-TW" dirty="0"/>
+              <a:t> Online Judge</a:t>
+            </a:r>
+            <a:endParaRPr lang="zh-TW" altLang="en-US" dirty="0"/>
+          </a:p>
+        </p:txBody>
+      </p:sp>
+      <p:sp>
+        <p:nvSpPr>
+          <p:cNvPr id="3" name="內容版面配置區 2">
+            <a:extLst>
+              <a:ext uri="{FF2B5EF4-FFF2-40B4-BE49-F238E27FC236}">
+                <a16:creationId xmlns:a16="http://schemas.microsoft.com/office/drawing/2014/main" id="{2D2FF811-1E31-4623-81EF-09AF07ED1D1F}"/>
+              </a:ext>
+            </a:extLst>
+          </p:cNvPr>
+          <p:cNvSpPr>
+            <a:spLocks noGrp="1"/>
+          </p:cNvSpPr>
+          <p:nvPr>
+            <p:ph idx="1"/>
+          </p:nvPr>
+        </p:nvSpPr>
+        <p:spPr/>
+        <p:txBody>
+          <a:bodyPr>
+            <a:normAutofit/>
+          </a:bodyPr>
+          <a:lstStyle/>
+          <a:p>
+            <a:r>
+              <a:rPr lang="zh-TW" altLang="en-US" dirty="0"/>
+              <a:t>如果在其他地方看到</a:t>
+            </a:r>
+            <a:r>
+              <a:rPr lang="en-US" altLang="zh-TW" dirty="0" err="1"/>
+              <a:t>Uva</a:t>
+            </a:r>
+            <a:r>
+              <a:rPr lang="zh-TW" altLang="en-US" dirty="0"/>
+              <a:t>題目的話繳交有可以透過</a:t>
+            </a:r>
+            <a:r>
+              <a:rPr lang="en-US" altLang="zh-TW" dirty="0"/>
+              <a:t>Quick</a:t>
+            </a:r>
+            <a:r>
+              <a:rPr lang="zh-TW" altLang="en-US" dirty="0"/>
+              <a:t> </a:t>
+            </a:r>
+            <a:r>
+              <a:rPr lang="en-US" altLang="zh-TW" dirty="0"/>
+              <a:t>Submit</a:t>
+            </a:r>
+            <a:r>
+              <a:rPr lang="zh-TW" altLang="en-US" dirty="0"/>
+              <a:t>繳交 </a:t>
+            </a:r>
+            <a:r>
+              <a:rPr lang="en-US" altLang="zh-TW" dirty="0"/>
+              <a:t>(</a:t>
+            </a:r>
+            <a:r>
+              <a:rPr lang="zh-TW" altLang="en-US" dirty="0"/>
+              <a:t>要自己打題號</a:t>
+            </a:r>
+            <a:r>
+              <a:rPr lang="en-US" altLang="zh-TW" dirty="0"/>
+              <a:t>)</a:t>
+            </a:r>
+          </a:p>
+          <a:p>
+            <a:endParaRPr lang="en-US" altLang="zh-TW" dirty="0"/>
+          </a:p>
+          <a:p>
+            <a:r>
+              <a:rPr lang="zh-TW" altLang="en-US" dirty="0"/>
+              <a:t>繳交完成後進入左邊選單的</a:t>
+            </a:r>
+            <a:r>
+              <a:rPr lang="en-US" altLang="zh-TW" dirty="0"/>
+              <a:t>My</a:t>
+            </a:r>
+            <a:r>
+              <a:rPr lang="zh-TW" altLang="en-US" dirty="0"/>
+              <a:t> </a:t>
+            </a:r>
+            <a:r>
+              <a:rPr lang="en-US" altLang="zh-TW" dirty="0"/>
+              <a:t>Submissions</a:t>
+            </a:r>
+            <a:r>
+              <a:rPr lang="zh-TW" altLang="en-US" dirty="0"/>
+              <a:t>看結果</a:t>
+            </a:r>
+            <a:endParaRPr lang="en-US" altLang="zh-TW" dirty="0"/>
+          </a:p>
+        </p:txBody>
+      </p:sp>
+      <p:pic>
+        <p:nvPicPr>
+          <p:cNvPr id="4" name="圖片 3">
+            <a:extLst>
+              <a:ext uri="{FF2B5EF4-FFF2-40B4-BE49-F238E27FC236}">
+                <a16:creationId xmlns:a16="http://schemas.microsoft.com/office/drawing/2014/main" id="{E3D415E3-BCA4-4256-A094-81687F75689E}"/>
+              </a:ext>
+            </a:extLst>
+          </p:cNvPr>
+          <p:cNvPicPr>
+            <a:picLocks noChangeAspect="1"/>
+          </p:cNvPicPr>
+          <p:nvPr/>
+        </p:nvPicPr>
+        <p:blipFill>
+          <a:blip r:embed="rId2"/>
+          <a:stretch>
+            <a:fillRect/>
+          </a:stretch>
+        </p:blipFill>
+        <p:spPr>
+          <a:xfrm>
+            <a:off x="9037470" y="2310208"/>
+            <a:ext cx="2229506" cy="4459012"/>
+          </a:xfrm>
+          <a:prstGeom prst="rect">
+            <a:avLst/>
+          </a:prstGeom>
+        </p:spPr>
+      </p:pic>
+    </p:spTree>
+    <p:extLst>
+      <p:ext uri="{BB962C8B-B14F-4D97-AF65-F5344CB8AC3E}">
+        <p14:creationId xmlns:p14="http://schemas.microsoft.com/office/powerpoint/2010/main" val="1464970791"/>
+      </p:ext>
+    </p:extLst>
+  </p:cSld>
+  <p:clrMapOvr>
+    <a:masterClrMapping/>
+  </p:clrMapOvr>
+</p:sld>
+</file>
+
+<file path=ppt/slides/slide29.xml><?xml version="1.0" encoding="utf-8"?>
+<p:sld xmlns:a="http://schemas.openxmlformats.org/drawingml/2006/main" xmlns:r="http://schemas.openxmlformats.org/officeDocument/2006/relationships" xmlns:p="http://schemas.openxmlformats.org/presentationml/2006/main">
+  <p:cSld>
+    <p:spTree>
+      <p:nvGrpSpPr>
+        <p:cNvPr id="1" name=""/>
+        <p:cNvGrpSpPr/>
+        <p:nvPr/>
+      </p:nvGrpSpPr>
+      <p:grpSpPr>
+        <a:xfrm>
+          <a:off x="0" y="0"/>
+          <a:ext cx="0" cy="0"/>
+          <a:chOff x="0" y="0"/>
+          <a:chExt cx="0" cy="0"/>
+        </a:xfrm>
+      </p:grpSpPr>
+      <p:sp>
+        <p:nvSpPr>
+          <p:cNvPr id="2" name="標題 1">
+            <a:extLst>
+              <a:ext uri="{FF2B5EF4-FFF2-40B4-BE49-F238E27FC236}">
+                <a16:creationId xmlns:a16="http://schemas.microsoft.com/office/drawing/2014/main" id="{1996F64B-2EFC-4370-A3A9-3B7771526FAE}"/>
+              </a:ext>
+            </a:extLst>
+          </p:cNvPr>
+          <p:cNvSpPr>
+            <a:spLocks noGrp="1"/>
+          </p:cNvSpPr>
+          <p:nvPr>
+            <p:ph type="title"/>
+          </p:nvPr>
+        </p:nvSpPr>
+        <p:spPr/>
+        <p:txBody>
+          <a:bodyPr/>
+          <a:lstStyle/>
+          <a:p>
+            <a:r>
+              <a:rPr lang="en-US" altLang="zh-TW" dirty="0" err="1"/>
+              <a:t>UVa</a:t>
+            </a:r>
+            <a:r>
+              <a:rPr lang="en-US" altLang="zh-TW" dirty="0"/>
+              <a:t> Online Judge</a:t>
+            </a:r>
+            <a:endParaRPr lang="zh-TW" altLang="en-US" dirty="0"/>
+          </a:p>
+        </p:txBody>
+      </p:sp>
+      <p:sp>
+        <p:nvSpPr>
+          <p:cNvPr id="3" name="內容版面配置區 2">
+            <a:extLst>
+              <a:ext uri="{FF2B5EF4-FFF2-40B4-BE49-F238E27FC236}">
+                <a16:creationId xmlns:a16="http://schemas.microsoft.com/office/drawing/2014/main" id="{2D2FF811-1E31-4623-81EF-09AF07ED1D1F}"/>
+              </a:ext>
+            </a:extLst>
+          </p:cNvPr>
+          <p:cNvSpPr>
+            <a:spLocks noGrp="1"/>
+          </p:cNvSpPr>
+          <p:nvPr>
+            <p:ph idx="1"/>
+          </p:nvPr>
+        </p:nvSpPr>
+        <p:spPr/>
+        <p:txBody>
+          <a:bodyPr>
+            <a:normAutofit fontScale="92500" lnSpcReduction="20000"/>
+          </a:bodyPr>
+          <a:lstStyle/>
+          <a:p>
+            <a:r>
+              <a:rPr lang="zh-TW" altLang="en-US" sz="3000" dirty="0"/>
+              <a:t>狀態</a:t>
+            </a:r>
+            <a:r>
+              <a:rPr lang="en-US" altLang="zh-TW" sz="3000" dirty="0"/>
+              <a:t>:</a:t>
+            </a:r>
+          </a:p>
+          <a:p>
+            <a:pPr lvl="1"/>
+            <a:r>
+              <a:rPr lang="en-US" altLang="zh-TW" sz="2600" dirty="0"/>
+              <a:t>In Queue (QU)</a:t>
+            </a:r>
+          </a:p>
+          <a:p>
+            <a:pPr lvl="1"/>
+            <a:r>
+              <a:rPr lang="en-US" altLang="zh-TW" sz="2600" dirty="0"/>
+              <a:t>Accepted (AC)</a:t>
+            </a:r>
+          </a:p>
+          <a:p>
+            <a:pPr lvl="1"/>
+            <a:r>
+              <a:rPr lang="en-US" altLang="zh-TW" sz="2600" dirty="0"/>
+              <a:t>Presentation Error (PE)</a:t>
+            </a:r>
+          </a:p>
+          <a:p>
+            <a:pPr lvl="1"/>
+            <a:r>
+              <a:rPr lang="en-US" altLang="zh-TW" sz="2600" dirty="0"/>
+              <a:t>Wrong Answer (WA)</a:t>
+            </a:r>
+          </a:p>
+          <a:p>
+            <a:pPr lvl="1"/>
+            <a:r>
+              <a:rPr lang="en-US" altLang="zh-TW" sz="2600" dirty="0"/>
+              <a:t>Compile Error (CE)</a:t>
+            </a:r>
+          </a:p>
+          <a:p>
+            <a:pPr lvl="1"/>
+            <a:r>
+              <a:rPr lang="en-US" altLang="zh-TW" sz="2600" dirty="0"/>
+              <a:t>Runtime Error (RE)</a:t>
+            </a:r>
+          </a:p>
+          <a:p>
+            <a:pPr lvl="1"/>
+            <a:r>
+              <a:rPr lang="en-US" altLang="zh-TW" sz="2600" dirty="0"/>
+              <a:t>Time Limit Exceeded (TL</a:t>
+            </a:r>
+            <a:r>
+              <a:rPr lang="zh-TW" altLang="en-US" sz="2600" dirty="0"/>
+              <a:t> </a:t>
+            </a:r>
+            <a:r>
+              <a:rPr lang="en-US" altLang="zh-TW" sz="2600" dirty="0"/>
+              <a:t>/</a:t>
+            </a:r>
+            <a:r>
+              <a:rPr lang="zh-TW" altLang="en-US" sz="2600" dirty="0"/>
+              <a:t> </a:t>
+            </a:r>
+            <a:r>
+              <a:rPr lang="en-US" altLang="zh-TW" sz="2600" dirty="0"/>
+              <a:t>TLE)</a:t>
+            </a:r>
+          </a:p>
+          <a:p>
+            <a:pPr lvl="1"/>
+            <a:r>
+              <a:rPr lang="en-US" altLang="zh-TW" sz="2600" dirty="0"/>
+              <a:t>Memory Limit Exceeded (ML</a:t>
+            </a:r>
+            <a:r>
+              <a:rPr lang="zh-TW" altLang="en-US" sz="2600" dirty="0"/>
+              <a:t> </a:t>
+            </a:r>
+            <a:r>
+              <a:rPr lang="en-US" altLang="zh-TW" sz="2600" dirty="0"/>
+              <a:t>/</a:t>
+            </a:r>
+            <a:r>
+              <a:rPr lang="zh-TW" altLang="en-US" sz="2600" dirty="0"/>
+              <a:t> </a:t>
+            </a:r>
+            <a:r>
+              <a:rPr lang="en-US" altLang="zh-TW" sz="2600" dirty="0"/>
+              <a:t>MLE)</a:t>
+            </a:r>
+          </a:p>
+          <a:p>
+            <a:pPr lvl="1"/>
+            <a:endParaRPr lang="en-US" altLang="zh-TW" dirty="0"/>
+          </a:p>
+          <a:p>
+            <a:pPr lvl="1"/>
+            <a:r>
+              <a:rPr lang="en-US" altLang="zh-TW" sz="1700" dirty="0">
+                <a:solidFill>
+                  <a:schemeClr val="tx1">
+                    <a:lumMod val="50000"/>
+                    <a:lumOff val="50000"/>
+                  </a:schemeClr>
+                </a:solidFill>
+              </a:rPr>
+              <a:t>Output Limit Exceeded (OL)</a:t>
+            </a:r>
+          </a:p>
+          <a:p>
+            <a:pPr lvl="1"/>
+            <a:r>
+              <a:rPr lang="en-US" altLang="zh-TW" sz="1700" dirty="0">
+                <a:solidFill>
+                  <a:schemeClr val="tx1">
+                    <a:lumMod val="50000"/>
+                    <a:lumOff val="50000"/>
+                  </a:schemeClr>
+                </a:solidFill>
+              </a:rPr>
+              <a:t>Submission Error (SE)</a:t>
+            </a:r>
+          </a:p>
+          <a:p>
+            <a:pPr lvl="1"/>
+            <a:r>
+              <a:rPr lang="en-US" altLang="zh-TW" sz="1700" dirty="0">
+                <a:solidFill>
+                  <a:schemeClr val="tx1">
+                    <a:lumMod val="50000"/>
+                    <a:lumOff val="50000"/>
+                  </a:schemeClr>
+                </a:solidFill>
+              </a:rPr>
+              <a:t>Restricted Function (RF)</a:t>
+            </a:r>
+          </a:p>
+          <a:p>
+            <a:pPr lvl="1"/>
+            <a:r>
+              <a:rPr lang="en-US" altLang="zh-TW" sz="1700" dirty="0">
+                <a:solidFill>
+                  <a:schemeClr val="tx1">
+                    <a:lumMod val="50000"/>
+                    <a:lumOff val="50000"/>
+                  </a:schemeClr>
+                </a:solidFill>
+              </a:rPr>
+              <a:t>Can't Be Judged (CJ)</a:t>
+            </a:r>
+          </a:p>
+        </p:txBody>
+      </p:sp>
+    </p:spTree>
+    <p:extLst>
+      <p:ext uri="{BB962C8B-B14F-4D97-AF65-F5344CB8AC3E}">
+        <p14:creationId xmlns:p14="http://schemas.microsoft.com/office/powerpoint/2010/main" val="1979476498"/>
+      </p:ext>
+    </p:extLst>
+  </p:cSld>
+  <p:clrMapOvr>
+    <a:masterClrMapping/>
+  </p:clrMapOvr>
+</p:sld>
+</file>
+
 <file path=ppt/slides/slide3.xml><?xml version="1.0" encoding="utf-8"?>
 <p:sld xmlns:a="http://schemas.openxmlformats.org/drawingml/2006/main" xmlns:r="http://schemas.openxmlformats.org/officeDocument/2006/relationships" xmlns:p="http://schemas.openxmlformats.org/presentationml/2006/main">
   <p:cSld>
@@ -6118,6 +7359,1071 @@
     <p:extLst>
       <p:ext uri="{BB962C8B-B14F-4D97-AF65-F5344CB8AC3E}">
         <p14:creationId xmlns:p14="http://schemas.microsoft.com/office/powerpoint/2010/main" val="1580544579"/>
+      </p:ext>
+    </p:extLst>
+  </p:cSld>
+  <p:clrMapOvr>
+    <a:masterClrMapping/>
+  </p:clrMapOvr>
+</p:sld>
+</file>
+
+<file path=ppt/slides/slide30.xml><?xml version="1.0" encoding="utf-8"?>
+<p:sld xmlns:a="http://schemas.openxmlformats.org/drawingml/2006/main" xmlns:r="http://schemas.openxmlformats.org/officeDocument/2006/relationships" xmlns:p="http://schemas.openxmlformats.org/presentationml/2006/main">
+  <p:cSld>
+    <p:spTree>
+      <p:nvGrpSpPr>
+        <p:cNvPr id="1" name=""/>
+        <p:cNvGrpSpPr/>
+        <p:nvPr/>
+      </p:nvGrpSpPr>
+      <p:grpSpPr>
+        <a:xfrm>
+          <a:off x="0" y="0"/>
+          <a:ext cx="0" cy="0"/>
+          <a:chOff x="0" y="0"/>
+          <a:chExt cx="0" cy="0"/>
+        </a:xfrm>
+      </p:grpSpPr>
+      <p:sp>
+        <p:nvSpPr>
+          <p:cNvPr id="2" name="標題 1">
+            <a:extLst>
+              <a:ext uri="{FF2B5EF4-FFF2-40B4-BE49-F238E27FC236}">
+                <a16:creationId xmlns:a16="http://schemas.microsoft.com/office/drawing/2014/main" id="{259ED23A-EC78-425D-8470-8A9A644E8F50}"/>
+              </a:ext>
+            </a:extLst>
+          </p:cNvPr>
+          <p:cNvSpPr>
+            <a:spLocks noGrp="1"/>
+          </p:cNvSpPr>
+          <p:nvPr>
+            <p:ph type="title"/>
+          </p:nvPr>
+        </p:nvSpPr>
+        <p:spPr/>
+        <p:txBody>
+          <a:bodyPr/>
+          <a:lstStyle/>
+          <a:p>
+            <a:r>
+              <a:rPr lang="en-US" altLang="zh-TW" dirty="0" err="1"/>
+              <a:t>UVa</a:t>
+            </a:r>
+            <a:r>
+              <a:rPr lang="en-US" altLang="zh-TW" dirty="0"/>
+              <a:t> Online Judge</a:t>
+            </a:r>
+            <a:endParaRPr lang="zh-TW" altLang="en-US" dirty="0"/>
+          </a:p>
+        </p:txBody>
+      </p:sp>
+      <p:sp>
+        <p:nvSpPr>
+          <p:cNvPr id="3" name="內容版面配置區 2">
+            <a:extLst>
+              <a:ext uri="{FF2B5EF4-FFF2-40B4-BE49-F238E27FC236}">
+                <a16:creationId xmlns:a16="http://schemas.microsoft.com/office/drawing/2014/main" id="{582D965B-E5E8-423B-849B-1B87BCF7AF0E}"/>
+              </a:ext>
+            </a:extLst>
+          </p:cNvPr>
+          <p:cNvSpPr>
+            <a:spLocks noGrp="1"/>
+          </p:cNvSpPr>
+          <p:nvPr>
+            <p:ph idx="1"/>
+          </p:nvPr>
+        </p:nvSpPr>
+        <p:spPr/>
+        <p:txBody>
+          <a:bodyPr/>
+          <a:lstStyle/>
+          <a:p>
+            <a:r>
+              <a:rPr lang="en-US" altLang="zh-TW" dirty="0" err="1"/>
+              <a:t>UVa</a:t>
+            </a:r>
+            <a:r>
+              <a:rPr lang="zh-TW" altLang="en-US" dirty="0"/>
+              <a:t> </a:t>
+            </a:r>
+            <a:r>
+              <a:rPr lang="en-US" altLang="zh-TW" dirty="0"/>
+              <a:t>10008</a:t>
+            </a:r>
+          </a:p>
+          <a:p>
+            <a:r>
+              <a:rPr lang="en-US" altLang="zh-TW" dirty="0" err="1"/>
+              <a:t>UVa</a:t>
+            </a:r>
+            <a:r>
+              <a:rPr lang="zh-TW" altLang="en-US" dirty="0"/>
+              <a:t> </a:t>
+            </a:r>
+            <a:r>
+              <a:rPr lang="en-US" altLang="zh-TW" dirty="0"/>
+              <a:t>10035</a:t>
+            </a:r>
+          </a:p>
+          <a:p>
+            <a:r>
+              <a:rPr lang="en-US" altLang="zh-TW" dirty="0" err="1"/>
+              <a:t>UVa</a:t>
+            </a:r>
+            <a:r>
+              <a:rPr lang="zh-TW" altLang="en-US" dirty="0"/>
+              <a:t> </a:t>
+            </a:r>
+            <a:r>
+              <a:rPr lang="en-US" altLang="zh-TW" dirty="0"/>
+              <a:t>10038</a:t>
+            </a:r>
+          </a:p>
+          <a:p>
+            <a:r>
+              <a:rPr lang="en-US" altLang="zh-TW" dirty="0" err="1"/>
+              <a:t>UVa</a:t>
+            </a:r>
+            <a:r>
+              <a:rPr lang="zh-TW" altLang="en-US" dirty="0"/>
+              <a:t> </a:t>
+            </a:r>
+            <a:r>
+              <a:rPr lang="en-US" altLang="zh-TW" dirty="0"/>
+              <a:t>10055</a:t>
+            </a:r>
+          </a:p>
+          <a:p>
+            <a:r>
+              <a:rPr lang="en-US" altLang="zh-TW" dirty="0" err="1"/>
+              <a:t>UVa</a:t>
+            </a:r>
+            <a:r>
+              <a:rPr lang="zh-TW" altLang="en-US" dirty="0"/>
+              <a:t> </a:t>
+            </a:r>
+            <a:r>
+              <a:rPr lang="en-US" altLang="zh-TW" dirty="0"/>
+              <a:t>10071</a:t>
+            </a:r>
+          </a:p>
+          <a:p>
+            <a:r>
+              <a:rPr lang="en-US" altLang="zh-TW" dirty="0" err="1"/>
+              <a:t>UVa</a:t>
+            </a:r>
+            <a:r>
+              <a:rPr lang="zh-TW" altLang="en-US" dirty="0"/>
+              <a:t> </a:t>
+            </a:r>
+            <a:r>
+              <a:rPr lang="en-US" altLang="zh-TW" dirty="0"/>
+              <a:t>10082</a:t>
+            </a:r>
+          </a:p>
+        </p:txBody>
+      </p:sp>
+    </p:spTree>
+    <p:extLst>
+      <p:ext uri="{BB962C8B-B14F-4D97-AF65-F5344CB8AC3E}">
+        <p14:creationId xmlns:p14="http://schemas.microsoft.com/office/powerpoint/2010/main" val="3225692200"/>
+      </p:ext>
+    </p:extLst>
+  </p:cSld>
+  <p:clrMapOvr>
+    <a:masterClrMapping/>
+  </p:clrMapOvr>
+</p:sld>
+</file>
+
+<file path=ppt/slides/slide31.xml><?xml version="1.0" encoding="utf-8"?>
+<p:sld xmlns:a="http://schemas.openxmlformats.org/drawingml/2006/main" xmlns:r="http://schemas.openxmlformats.org/officeDocument/2006/relationships" xmlns:p="http://schemas.openxmlformats.org/presentationml/2006/main">
+  <p:cSld>
+    <p:spTree>
+      <p:nvGrpSpPr>
+        <p:cNvPr id="1" name=""/>
+        <p:cNvGrpSpPr/>
+        <p:nvPr/>
+      </p:nvGrpSpPr>
+      <p:grpSpPr>
+        <a:xfrm>
+          <a:off x="0" y="0"/>
+          <a:ext cx="0" cy="0"/>
+          <a:chOff x="0" y="0"/>
+          <a:chExt cx="0" cy="0"/>
+        </a:xfrm>
+      </p:grpSpPr>
+      <p:sp>
+        <p:nvSpPr>
+          <p:cNvPr id="2" name="標題 1">
+            <a:extLst>
+              <a:ext uri="{FF2B5EF4-FFF2-40B4-BE49-F238E27FC236}">
+                <a16:creationId xmlns:a16="http://schemas.microsoft.com/office/drawing/2014/main" id="{C51D0EE8-8657-45DD-BD11-0EBA3445A357}"/>
+              </a:ext>
+            </a:extLst>
+          </p:cNvPr>
+          <p:cNvSpPr>
+            <a:spLocks noGrp="1"/>
+          </p:cNvSpPr>
+          <p:nvPr>
+            <p:ph type="title"/>
+          </p:nvPr>
+        </p:nvSpPr>
+        <p:spPr/>
+        <p:txBody>
+          <a:bodyPr/>
+          <a:lstStyle/>
+          <a:p>
+            <a:r>
+              <a:rPr lang="zh-TW" altLang="en-US" dirty="0"/>
+              <a:t>其他線上解題</a:t>
+            </a:r>
+          </a:p>
+        </p:txBody>
+      </p:sp>
+      <p:sp>
+        <p:nvSpPr>
+          <p:cNvPr id="3" name="內容版面配置區 2">
+            <a:extLst>
+              <a:ext uri="{FF2B5EF4-FFF2-40B4-BE49-F238E27FC236}">
+                <a16:creationId xmlns:a16="http://schemas.microsoft.com/office/drawing/2014/main" id="{3E39FA1F-9886-4E8A-91FF-1A823F0035F5}"/>
+              </a:ext>
+            </a:extLst>
+          </p:cNvPr>
+          <p:cNvSpPr>
+            <a:spLocks noGrp="1"/>
+          </p:cNvSpPr>
+          <p:nvPr>
+            <p:ph idx="1"/>
+          </p:nvPr>
+        </p:nvSpPr>
+        <p:spPr/>
+        <p:txBody>
+          <a:bodyPr/>
+          <a:lstStyle/>
+          <a:p>
+            <a:r>
+              <a:rPr lang="en-US" altLang="zh-TW" dirty="0" err="1"/>
+              <a:t>TopCoder</a:t>
+            </a:r>
+            <a:endParaRPr lang="en-US" altLang="zh-TW" dirty="0"/>
+          </a:p>
+          <a:p>
+            <a:r>
+              <a:rPr lang="en-US" altLang="zh-TW" dirty="0" err="1"/>
+              <a:t>Codeforces</a:t>
+            </a:r>
+            <a:endParaRPr lang="en-US" altLang="zh-TW" dirty="0"/>
+          </a:p>
+          <a:p>
+            <a:endParaRPr lang="en-US" altLang="zh-TW" dirty="0"/>
+          </a:p>
+          <a:p>
+            <a:r>
+              <a:rPr lang="en-US" altLang="zh-TW" dirty="0"/>
+              <a:t>Virtual Judge</a:t>
+            </a:r>
+            <a:endParaRPr lang="zh-TW" altLang="en-US" dirty="0"/>
+          </a:p>
+        </p:txBody>
+      </p:sp>
+      <p:pic>
+        <p:nvPicPr>
+          <p:cNvPr id="4" name="圖片 3">
+            <a:extLst>
+              <a:ext uri="{FF2B5EF4-FFF2-40B4-BE49-F238E27FC236}">
+                <a16:creationId xmlns:a16="http://schemas.microsoft.com/office/drawing/2014/main" id="{F2AA3D5B-7DB3-4B20-965C-AAC66CC4B4E5}"/>
+              </a:ext>
+            </a:extLst>
+          </p:cNvPr>
+          <p:cNvPicPr>
+            <a:picLocks noChangeAspect="1"/>
+          </p:cNvPicPr>
+          <p:nvPr/>
+        </p:nvPicPr>
+        <p:blipFill>
+          <a:blip r:embed="rId2"/>
+          <a:stretch>
+            <a:fillRect/>
+          </a:stretch>
+        </p:blipFill>
+        <p:spPr>
+          <a:xfrm>
+            <a:off x="3758740" y="1600110"/>
+            <a:ext cx="2453013" cy="560137"/>
+          </a:xfrm>
+          <a:prstGeom prst="rect">
+            <a:avLst/>
+          </a:prstGeom>
+        </p:spPr>
+      </p:pic>
+      <p:pic>
+        <p:nvPicPr>
+          <p:cNvPr id="5" name="圖片 4">
+            <a:extLst>
+              <a:ext uri="{FF2B5EF4-FFF2-40B4-BE49-F238E27FC236}">
+                <a16:creationId xmlns:a16="http://schemas.microsoft.com/office/drawing/2014/main" id="{410D121F-07C6-4F3D-92B6-B57CBE514C65}"/>
+              </a:ext>
+            </a:extLst>
+          </p:cNvPr>
+          <p:cNvPicPr>
+            <a:picLocks noChangeAspect="1"/>
+          </p:cNvPicPr>
+          <p:nvPr/>
+        </p:nvPicPr>
+        <p:blipFill>
+          <a:blip r:embed="rId3"/>
+          <a:stretch>
+            <a:fillRect/>
+          </a:stretch>
+        </p:blipFill>
+        <p:spPr>
+          <a:xfrm>
+            <a:off x="3554554" y="2287694"/>
+            <a:ext cx="2890747" cy="581168"/>
+          </a:xfrm>
+          <a:prstGeom prst="rect">
+            <a:avLst/>
+          </a:prstGeom>
+        </p:spPr>
+      </p:pic>
+      <p:pic>
+        <p:nvPicPr>
+          <p:cNvPr id="7" name="圖片 6">
+            <a:extLst>
+              <a:ext uri="{FF2B5EF4-FFF2-40B4-BE49-F238E27FC236}">
+                <a16:creationId xmlns:a16="http://schemas.microsoft.com/office/drawing/2014/main" id="{0C002228-4C29-43E3-8150-4FBF0C16C3A2}"/>
+              </a:ext>
+            </a:extLst>
+          </p:cNvPr>
+          <p:cNvPicPr>
+            <a:picLocks noChangeAspect="1"/>
+          </p:cNvPicPr>
+          <p:nvPr/>
+        </p:nvPicPr>
+        <p:blipFill>
+          <a:blip r:embed="rId4"/>
+          <a:stretch>
+            <a:fillRect/>
+          </a:stretch>
+        </p:blipFill>
+        <p:spPr>
+          <a:xfrm>
+            <a:off x="3708315" y="2981252"/>
+            <a:ext cx="4819371" cy="3657779"/>
+          </a:xfrm>
+          <a:prstGeom prst="rect">
+            <a:avLst/>
+          </a:prstGeom>
+        </p:spPr>
+      </p:pic>
+    </p:spTree>
+    <p:extLst>
+      <p:ext uri="{BB962C8B-B14F-4D97-AF65-F5344CB8AC3E}">
+        <p14:creationId xmlns:p14="http://schemas.microsoft.com/office/powerpoint/2010/main" val="95956180"/>
+      </p:ext>
+    </p:extLst>
+  </p:cSld>
+  <p:clrMapOvr>
+    <a:masterClrMapping/>
+  </p:clrMapOvr>
+</p:sld>
+</file>
+
+<file path=ppt/slides/slide32.xml><?xml version="1.0" encoding="utf-8"?>
+<p:sld xmlns:a="http://schemas.openxmlformats.org/drawingml/2006/main" xmlns:r="http://schemas.openxmlformats.org/officeDocument/2006/relationships" xmlns:p="http://schemas.openxmlformats.org/presentationml/2006/main">
+  <p:cSld>
+    <p:spTree>
+      <p:nvGrpSpPr>
+        <p:cNvPr id="1" name=""/>
+        <p:cNvGrpSpPr/>
+        <p:nvPr/>
+      </p:nvGrpSpPr>
+      <p:grpSpPr>
+        <a:xfrm>
+          <a:off x="0" y="0"/>
+          <a:ext cx="0" cy="0"/>
+          <a:chOff x="0" y="0"/>
+          <a:chExt cx="0" cy="0"/>
+        </a:xfrm>
+      </p:grpSpPr>
+      <p:sp>
+        <p:nvSpPr>
+          <p:cNvPr id="2" name="標題 1">
+            <a:extLst>
+              <a:ext uri="{FF2B5EF4-FFF2-40B4-BE49-F238E27FC236}">
+                <a16:creationId xmlns:a16="http://schemas.microsoft.com/office/drawing/2014/main" id="{255E4098-ABC7-4A1F-8964-C3437DC3E3F3}"/>
+              </a:ext>
+            </a:extLst>
+          </p:cNvPr>
+          <p:cNvSpPr>
+            <a:spLocks noGrp="1"/>
+          </p:cNvSpPr>
+          <p:nvPr>
+            <p:ph type="title"/>
+          </p:nvPr>
+        </p:nvSpPr>
+        <p:spPr/>
+        <p:txBody>
+          <a:bodyPr/>
+          <a:lstStyle/>
+          <a:p>
+            <a:r>
+              <a:rPr lang="zh-TW" altLang="en-US" dirty="0"/>
+              <a:t>大學程式能力檢定 </a:t>
+            </a:r>
+            <a:r>
+              <a:rPr lang="en-US" altLang="zh-TW" dirty="0"/>
+              <a:t>CPE</a:t>
+            </a:r>
+            <a:endParaRPr lang="zh-TW" altLang="en-US" dirty="0"/>
+          </a:p>
+        </p:txBody>
+      </p:sp>
+      <p:sp>
+        <p:nvSpPr>
+          <p:cNvPr id="3" name="內容版面配置區 2">
+            <a:extLst>
+              <a:ext uri="{FF2B5EF4-FFF2-40B4-BE49-F238E27FC236}">
+                <a16:creationId xmlns:a16="http://schemas.microsoft.com/office/drawing/2014/main" id="{84A39538-9192-47F6-B3D0-AFA29A0F1FC4}"/>
+              </a:ext>
+            </a:extLst>
+          </p:cNvPr>
+          <p:cNvSpPr>
+            <a:spLocks noGrp="1"/>
+          </p:cNvSpPr>
+          <p:nvPr>
+            <p:ph idx="1"/>
+          </p:nvPr>
+        </p:nvSpPr>
+        <p:spPr/>
+        <p:txBody>
+          <a:bodyPr/>
+          <a:lstStyle/>
+          <a:p>
+            <a:endParaRPr lang="en-US" altLang="zh-TW" dirty="0">
+              <a:hlinkClick r:id="rId2"/>
+            </a:endParaRPr>
+          </a:p>
+          <a:p>
+            <a:endParaRPr lang="en-US" altLang="zh-TW" dirty="0">
+              <a:hlinkClick r:id="rId2"/>
+            </a:endParaRPr>
+          </a:p>
+          <a:p>
+            <a:endParaRPr lang="en-US" altLang="zh-TW" dirty="0">
+              <a:hlinkClick r:id="rId2"/>
+            </a:endParaRPr>
+          </a:p>
+          <a:p>
+            <a:r>
+              <a:rPr lang="en-US" altLang="zh-TW" dirty="0">
+                <a:hlinkClick r:id="rId2"/>
+              </a:rPr>
+              <a:t>https://cpe.cse.nsysu.edu.tw</a:t>
+            </a:r>
+            <a:endParaRPr lang="en-US" altLang="zh-TW" dirty="0"/>
+          </a:p>
+          <a:p>
+            <a:r>
+              <a:rPr lang="zh-TW" altLang="en-US" dirty="0"/>
+              <a:t>每年</a:t>
+            </a:r>
+            <a:r>
+              <a:rPr lang="en-US" altLang="zh-TW" dirty="0"/>
+              <a:t>4</a:t>
+            </a:r>
+            <a:r>
+              <a:rPr lang="zh-TW" altLang="en-US" dirty="0"/>
+              <a:t>次</a:t>
+            </a:r>
+            <a:endParaRPr lang="en-US" altLang="zh-TW" dirty="0"/>
+          </a:p>
+          <a:p>
+            <a:r>
+              <a:rPr lang="zh-TW" altLang="en-US" dirty="0"/>
+              <a:t>約在</a:t>
+            </a:r>
+            <a:r>
+              <a:rPr lang="en-US" altLang="zh-TW" dirty="0"/>
+              <a:t>3</a:t>
+            </a:r>
+            <a:r>
+              <a:rPr lang="zh-TW" altLang="en-US" dirty="0"/>
+              <a:t>、</a:t>
+            </a:r>
+            <a:r>
+              <a:rPr lang="en-US" altLang="zh-TW" dirty="0"/>
+              <a:t>5</a:t>
+            </a:r>
+            <a:r>
+              <a:rPr lang="zh-TW" altLang="en-US" dirty="0"/>
+              <a:t>、</a:t>
+            </a:r>
+            <a:r>
+              <a:rPr lang="en-US" altLang="zh-TW" dirty="0"/>
+              <a:t>9</a:t>
+            </a:r>
+            <a:r>
+              <a:rPr lang="zh-TW" altLang="en-US" dirty="0"/>
+              <a:t>、</a:t>
+            </a:r>
+            <a:r>
+              <a:rPr lang="en-US" altLang="zh-TW" dirty="0"/>
+              <a:t>12</a:t>
+            </a:r>
+            <a:r>
+              <a:rPr lang="zh-TW" altLang="en-US" dirty="0"/>
+              <a:t>月的時候舉行</a:t>
+            </a:r>
+            <a:endParaRPr lang="en-US" altLang="zh-TW" dirty="0"/>
+          </a:p>
+          <a:p>
+            <a:r>
+              <a:rPr lang="zh-TW" altLang="en-US" dirty="0"/>
+              <a:t>要報名費</a:t>
+            </a:r>
+            <a:endParaRPr lang="en-US" altLang="zh-TW" dirty="0"/>
+          </a:p>
+          <a:p>
+            <a:r>
+              <a:rPr lang="zh-TW" altLang="en-US" dirty="0"/>
+              <a:t>每次</a:t>
+            </a:r>
+            <a:r>
+              <a:rPr lang="en-US" altLang="zh-TW" dirty="0"/>
+              <a:t>7</a:t>
+            </a:r>
+            <a:r>
+              <a:rPr lang="zh-TW" altLang="en-US" dirty="0"/>
+              <a:t>題、題目似乎會從</a:t>
+            </a:r>
+            <a:r>
+              <a:rPr lang="en-US" altLang="zh-TW" dirty="0" err="1"/>
+              <a:t>Uva</a:t>
+            </a:r>
+            <a:r>
+              <a:rPr lang="zh-TW" altLang="en-US" dirty="0"/>
+              <a:t>出</a:t>
+            </a:r>
+            <a:r>
+              <a:rPr lang="en-US" altLang="zh-TW" dirty="0"/>
+              <a:t>(</a:t>
+            </a:r>
+            <a:r>
+              <a:rPr lang="zh-TW" altLang="en-US" dirty="0"/>
+              <a:t>歷屆考題上有題號</a:t>
+            </a:r>
+            <a:r>
+              <a:rPr lang="en-US" altLang="zh-TW" dirty="0"/>
+              <a:t>)</a:t>
+            </a:r>
+            <a:endParaRPr lang="zh-TW" altLang="en-US" dirty="0"/>
+          </a:p>
+        </p:txBody>
+      </p:sp>
+      <p:pic>
+        <p:nvPicPr>
+          <p:cNvPr id="4" name="圖片 3">
+            <a:extLst>
+              <a:ext uri="{FF2B5EF4-FFF2-40B4-BE49-F238E27FC236}">
+                <a16:creationId xmlns:a16="http://schemas.microsoft.com/office/drawing/2014/main" id="{71A13EB9-D9C5-49A5-AC4B-6F585DE40140}"/>
+              </a:ext>
+            </a:extLst>
+          </p:cNvPr>
+          <p:cNvPicPr>
+            <a:picLocks noChangeAspect="1"/>
+          </p:cNvPicPr>
+          <p:nvPr/>
+        </p:nvPicPr>
+        <p:blipFill>
+          <a:blip r:embed="rId3"/>
+          <a:stretch>
+            <a:fillRect/>
+          </a:stretch>
+        </p:blipFill>
+        <p:spPr>
+          <a:xfrm>
+            <a:off x="1152146" y="1854942"/>
+            <a:ext cx="9901561" cy="1231282"/>
+          </a:xfrm>
+          <a:prstGeom prst="rect">
+            <a:avLst/>
+          </a:prstGeom>
+        </p:spPr>
+      </p:pic>
+    </p:spTree>
+    <p:extLst>
+      <p:ext uri="{BB962C8B-B14F-4D97-AF65-F5344CB8AC3E}">
+        <p14:creationId xmlns:p14="http://schemas.microsoft.com/office/powerpoint/2010/main" val="3110933113"/>
+      </p:ext>
+    </p:extLst>
+  </p:cSld>
+  <p:clrMapOvr>
+    <a:masterClrMapping/>
+  </p:clrMapOvr>
+</p:sld>
+</file>
+
+<file path=ppt/slides/slide33.xml><?xml version="1.0" encoding="utf-8"?>
+<p:sld xmlns:a="http://schemas.openxmlformats.org/drawingml/2006/main" xmlns:r="http://schemas.openxmlformats.org/officeDocument/2006/relationships" xmlns:p="http://schemas.openxmlformats.org/presentationml/2006/main">
+  <p:cSld>
+    <p:spTree>
+      <p:nvGrpSpPr>
+        <p:cNvPr id="1" name=""/>
+        <p:cNvGrpSpPr/>
+        <p:nvPr/>
+      </p:nvGrpSpPr>
+      <p:grpSpPr>
+        <a:xfrm>
+          <a:off x="0" y="0"/>
+          <a:ext cx="0" cy="0"/>
+          <a:chOff x="0" y="0"/>
+          <a:chExt cx="0" cy="0"/>
+        </a:xfrm>
+      </p:grpSpPr>
+      <p:sp>
+        <p:nvSpPr>
+          <p:cNvPr id="2" name="標題 1">
+            <a:extLst>
+              <a:ext uri="{FF2B5EF4-FFF2-40B4-BE49-F238E27FC236}">
+                <a16:creationId xmlns:a16="http://schemas.microsoft.com/office/drawing/2014/main" id="{DDD99245-3449-489E-8626-9B92344C0666}"/>
+              </a:ext>
+            </a:extLst>
+          </p:cNvPr>
+          <p:cNvSpPr>
+            <a:spLocks noGrp="1"/>
+          </p:cNvSpPr>
+          <p:nvPr>
+            <p:ph type="title"/>
+          </p:nvPr>
+        </p:nvSpPr>
+        <p:spPr/>
+        <p:txBody>
+          <a:bodyPr/>
+          <a:lstStyle/>
+          <a:p>
+            <a:r>
+              <a:rPr lang="zh-TW" altLang="en-US" dirty="0"/>
+              <a:t>大學程式能力檢定 </a:t>
+            </a:r>
+            <a:r>
+              <a:rPr lang="en-US" altLang="zh-TW" dirty="0"/>
+              <a:t>CPE</a:t>
+            </a:r>
+            <a:endParaRPr lang="zh-TW" altLang="en-US" dirty="0"/>
+          </a:p>
+        </p:txBody>
+      </p:sp>
+      <p:sp>
+        <p:nvSpPr>
+          <p:cNvPr id="3" name="內容版面配置區 2">
+            <a:extLst>
+              <a:ext uri="{FF2B5EF4-FFF2-40B4-BE49-F238E27FC236}">
+                <a16:creationId xmlns:a16="http://schemas.microsoft.com/office/drawing/2014/main" id="{72220371-5CCC-4BA9-88A8-7D1596179D61}"/>
+              </a:ext>
+            </a:extLst>
+          </p:cNvPr>
+          <p:cNvSpPr>
+            <a:spLocks noGrp="1"/>
+          </p:cNvSpPr>
+          <p:nvPr>
+            <p:ph idx="1"/>
+          </p:nvPr>
+        </p:nvSpPr>
+        <p:spPr/>
+        <p:txBody>
+          <a:bodyPr/>
+          <a:lstStyle/>
+          <a:p>
+            <a:r>
+              <a:rPr lang="zh-TW" altLang="en-US" dirty="0"/>
+              <a:t>報名採取場地先搶先贏制</a:t>
+            </a:r>
+            <a:endParaRPr lang="en-US" altLang="zh-TW" dirty="0"/>
+          </a:p>
+          <a:p>
+            <a:r>
+              <a:rPr lang="zh-TW" altLang="en-US" dirty="0"/>
+              <a:t>交大應該都有開放的報名場地、不然需要去其他學校</a:t>
+            </a:r>
+            <a:endParaRPr lang="en-US" altLang="zh-TW" dirty="0"/>
+          </a:p>
+          <a:p>
+            <a:r>
+              <a:rPr lang="zh-TW" altLang="en-US" dirty="0"/>
+              <a:t>想參加的同學要自己注意時間</a:t>
+            </a:r>
+          </a:p>
+        </p:txBody>
+      </p:sp>
+      <p:pic>
+        <p:nvPicPr>
+          <p:cNvPr id="4" name="圖片 3">
+            <a:extLst>
+              <a:ext uri="{FF2B5EF4-FFF2-40B4-BE49-F238E27FC236}">
+                <a16:creationId xmlns:a16="http://schemas.microsoft.com/office/drawing/2014/main" id="{51AAED4D-726B-47AE-AD65-EE4429FE8CCE}"/>
+              </a:ext>
+            </a:extLst>
+          </p:cNvPr>
+          <p:cNvPicPr>
+            <a:picLocks noChangeAspect="1"/>
+          </p:cNvPicPr>
+          <p:nvPr/>
+        </p:nvPicPr>
+        <p:blipFill>
+          <a:blip r:embed="rId2"/>
+          <a:stretch>
+            <a:fillRect/>
+          </a:stretch>
+        </p:blipFill>
+        <p:spPr>
+          <a:xfrm>
+            <a:off x="612560" y="3349537"/>
+            <a:ext cx="10805133" cy="3508463"/>
+          </a:xfrm>
+          <a:prstGeom prst="rect">
+            <a:avLst/>
+          </a:prstGeom>
+        </p:spPr>
+      </p:pic>
+    </p:spTree>
+    <p:extLst>
+      <p:ext uri="{BB962C8B-B14F-4D97-AF65-F5344CB8AC3E}">
+        <p14:creationId xmlns:p14="http://schemas.microsoft.com/office/powerpoint/2010/main" val="3191934105"/>
+      </p:ext>
+    </p:extLst>
+  </p:cSld>
+  <p:clrMapOvr>
+    <a:masterClrMapping/>
+  </p:clrMapOvr>
+</p:sld>
+</file>
+
+<file path=ppt/slides/slide34.xml><?xml version="1.0" encoding="utf-8"?>
+<p:sld xmlns:a="http://schemas.openxmlformats.org/drawingml/2006/main" xmlns:r="http://schemas.openxmlformats.org/officeDocument/2006/relationships" xmlns:p="http://schemas.openxmlformats.org/presentationml/2006/main">
+  <p:cSld>
+    <p:spTree>
+      <p:nvGrpSpPr>
+        <p:cNvPr id="1" name=""/>
+        <p:cNvGrpSpPr/>
+        <p:nvPr/>
+      </p:nvGrpSpPr>
+      <p:grpSpPr>
+        <a:xfrm>
+          <a:off x="0" y="0"/>
+          <a:ext cx="0" cy="0"/>
+          <a:chOff x="0" y="0"/>
+          <a:chExt cx="0" cy="0"/>
+        </a:xfrm>
+      </p:grpSpPr>
+      <p:sp>
+        <p:nvSpPr>
+          <p:cNvPr id="2" name="標題 1">
+            <a:extLst>
+              <a:ext uri="{FF2B5EF4-FFF2-40B4-BE49-F238E27FC236}">
+                <a16:creationId xmlns:a16="http://schemas.microsoft.com/office/drawing/2014/main" id="{D0834631-521B-45AD-B5DD-6B9B5B8333C6}"/>
+              </a:ext>
+            </a:extLst>
+          </p:cNvPr>
+          <p:cNvSpPr>
+            <a:spLocks noGrp="1"/>
+          </p:cNvSpPr>
+          <p:nvPr>
+            <p:ph type="title"/>
+          </p:nvPr>
+        </p:nvSpPr>
+        <p:spPr/>
+        <p:txBody>
+          <a:bodyPr/>
+          <a:lstStyle/>
+          <a:p>
+            <a:r>
+              <a:rPr lang="en-US" altLang="zh-TW" dirty="0"/>
+              <a:t>ITSA</a:t>
+            </a:r>
+            <a:r>
+              <a:rPr lang="zh-TW" altLang="en-US" dirty="0"/>
+              <a:t> </a:t>
+            </a:r>
+            <a:r>
+              <a:rPr lang="en-US" altLang="zh-TW" dirty="0"/>
+              <a:t>&amp;</a:t>
+            </a:r>
+            <a:r>
+              <a:rPr lang="zh-TW" altLang="en-US" dirty="0"/>
+              <a:t> </a:t>
+            </a:r>
+            <a:r>
+              <a:rPr lang="en-US" altLang="zh-TW" dirty="0"/>
+              <a:t>PTC</a:t>
+            </a:r>
+            <a:endParaRPr lang="zh-TW" altLang="en-US" dirty="0"/>
+          </a:p>
+        </p:txBody>
+      </p:sp>
+      <p:sp>
+        <p:nvSpPr>
+          <p:cNvPr id="3" name="內容版面配置區 2">
+            <a:extLst>
+              <a:ext uri="{FF2B5EF4-FFF2-40B4-BE49-F238E27FC236}">
+                <a16:creationId xmlns:a16="http://schemas.microsoft.com/office/drawing/2014/main" id="{D9449E40-3375-4A3F-B891-52A4E6645497}"/>
+              </a:ext>
+            </a:extLst>
+          </p:cNvPr>
+          <p:cNvSpPr>
+            <a:spLocks noGrp="1"/>
+          </p:cNvSpPr>
+          <p:nvPr>
+            <p:ph idx="1"/>
+          </p:nvPr>
+        </p:nvSpPr>
+        <p:spPr/>
+        <p:txBody>
+          <a:bodyPr/>
+          <a:lstStyle/>
+          <a:p>
+            <a:r>
+              <a:rPr lang="en-US" altLang="zh-TW" dirty="0">
+                <a:hlinkClick r:id="rId2"/>
+              </a:rPr>
+              <a:t>https://sites.google.com/site/itsancku/shou-ye</a:t>
+            </a:r>
+            <a:endParaRPr lang="en-US" altLang="zh-TW" dirty="0"/>
+          </a:p>
+          <a:p>
+            <a:r>
+              <a:rPr lang="zh-TW" altLang="en-US" dirty="0"/>
+              <a:t>可以組隊也可以個人參加 </a:t>
+            </a:r>
+            <a:r>
+              <a:rPr lang="en-US" altLang="zh-TW" dirty="0"/>
+              <a:t>(1~3</a:t>
+            </a:r>
+            <a:r>
+              <a:rPr lang="zh-TW" altLang="en-US" dirty="0"/>
+              <a:t>人</a:t>
+            </a:r>
+            <a:r>
+              <a:rPr lang="en-US" altLang="zh-TW" dirty="0"/>
+              <a:t>)</a:t>
+            </a:r>
+          </a:p>
+          <a:p>
+            <a:r>
+              <a:rPr lang="zh-TW" altLang="en-US" dirty="0"/>
+              <a:t>每個月一次</a:t>
+            </a:r>
+            <a:endParaRPr lang="en-US" altLang="zh-TW" dirty="0"/>
+          </a:p>
+          <a:p>
+            <a:r>
+              <a:rPr lang="zh-TW" altLang="en-US" dirty="0"/>
+              <a:t>不用報名費</a:t>
+            </a:r>
+            <a:endParaRPr lang="en-US" altLang="zh-TW" dirty="0"/>
+          </a:p>
+          <a:p>
+            <a:r>
+              <a:rPr lang="zh-TW" altLang="en-US" dirty="0"/>
+              <a:t>線上競賽</a:t>
+            </a:r>
+            <a:endParaRPr lang="en-US" altLang="zh-TW" dirty="0"/>
+          </a:p>
+          <a:p>
+            <a:r>
+              <a:rPr lang="zh-TW" altLang="en-US" dirty="0"/>
+              <a:t>隊伍名稱只有限字數、所以會出現各種奇葩隊伍名稱</a:t>
+            </a:r>
+            <a:r>
+              <a:rPr lang="en-US" altLang="zh-TW" dirty="0"/>
+              <a:t>(?)</a:t>
+            </a:r>
+          </a:p>
+        </p:txBody>
+      </p:sp>
+      <p:pic>
+        <p:nvPicPr>
+          <p:cNvPr id="5" name="圖片 4">
+            <a:extLst>
+              <a:ext uri="{FF2B5EF4-FFF2-40B4-BE49-F238E27FC236}">
+                <a16:creationId xmlns:a16="http://schemas.microsoft.com/office/drawing/2014/main" id="{FAFB8A86-161A-4064-9137-D51F63CCD038}"/>
+              </a:ext>
+            </a:extLst>
+          </p:cNvPr>
+          <p:cNvPicPr>
+            <a:picLocks noChangeAspect="1"/>
+          </p:cNvPicPr>
+          <p:nvPr/>
+        </p:nvPicPr>
+        <p:blipFill>
+          <a:blip r:embed="rId3"/>
+          <a:stretch>
+            <a:fillRect/>
+          </a:stretch>
+        </p:blipFill>
+        <p:spPr>
+          <a:xfrm>
+            <a:off x="2952750" y="4964283"/>
+            <a:ext cx="6286500" cy="800100"/>
+          </a:xfrm>
+          <a:prstGeom prst="rect">
+            <a:avLst/>
+          </a:prstGeom>
+        </p:spPr>
+      </p:pic>
+    </p:spTree>
+    <p:extLst>
+      <p:ext uri="{BB962C8B-B14F-4D97-AF65-F5344CB8AC3E}">
+        <p14:creationId xmlns:p14="http://schemas.microsoft.com/office/powerpoint/2010/main" val="753354796"/>
+      </p:ext>
+    </p:extLst>
+  </p:cSld>
+  <p:clrMapOvr>
+    <a:masterClrMapping/>
+  </p:clrMapOvr>
+</p:sld>
+</file>
+
+<file path=ppt/slides/slide35.xml><?xml version="1.0" encoding="utf-8"?>
+<p:sld xmlns:a="http://schemas.openxmlformats.org/drawingml/2006/main" xmlns:r="http://schemas.openxmlformats.org/officeDocument/2006/relationships" xmlns:p="http://schemas.openxmlformats.org/presentationml/2006/main">
+  <p:cSld>
+    <p:spTree>
+      <p:nvGrpSpPr>
+        <p:cNvPr id="1" name=""/>
+        <p:cNvGrpSpPr/>
+        <p:nvPr/>
+      </p:nvGrpSpPr>
+      <p:grpSpPr>
+        <a:xfrm>
+          <a:off x="0" y="0"/>
+          <a:ext cx="0" cy="0"/>
+          <a:chOff x="0" y="0"/>
+          <a:chExt cx="0" cy="0"/>
+        </a:xfrm>
+      </p:grpSpPr>
+      <p:sp>
+        <p:nvSpPr>
+          <p:cNvPr id="2" name="標題 1">
+            <a:extLst>
+              <a:ext uri="{FF2B5EF4-FFF2-40B4-BE49-F238E27FC236}">
+                <a16:creationId xmlns:a16="http://schemas.microsoft.com/office/drawing/2014/main" id="{AAF7E0C1-D51F-4FBD-A01A-C01D0481AED1}"/>
+              </a:ext>
+            </a:extLst>
+          </p:cNvPr>
+          <p:cNvSpPr>
+            <a:spLocks noGrp="1"/>
+          </p:cNvSpPr>
+          <p:nvPr>
+            <p:ph type="title"/>
+          </p:nvPr>
+        </p:nvSpPr>
+        <p:spPr/>
+        <p:txBody>
+          <a:bodyPr/>
+          <a:lstStyle/>
+          <a:p>
+            <a:r>
+              <a:rPr lang="zh-TW" altLang="en-US" dirty="0"/>
+              <a:t>程式競賽相關</a:t>
+            </a:r>
+          </a:p>
+        </p:txBody>
+      </p:sp>
+      <p:sp>
+        <p:nvSpPr>
+          <p:cNvPr id="3" name="內容版面配置區 2">
+            <a:extLst>
+              <a:ext uri="{FF2B5EF4-FFF2-40B4-BE49-F238E27FC236}">
+                <a16:creationId xmlns:a16="http://schemas.microsoft.com/office/drawing/2014/main" id="{482B2BE4-E79A-4C04-85A4-CEA5407C7BF7}"/>
+              </a:ext>
+            </a:extLst>
+          </p:cNvPr>
+          <p:cNvSpPr>
+            <a:spLocks noGrp="1"/>
+          </p:cNvSpPr>
+          <p:nvPr>
+            <p:ph idx="1"/>
+          </p:nvPr>
+        </p:nvSpPr>
+        <p:spPr/>
+        <p:txBody>
+          <a:bodyPr/>
+          <a:lstStyle/>
+          <a:p>
+            <a:r>
+              <a:rPr lang="zh-TW" altLang="en-US" dirty="0"/>
+              <a:t>較大型比賽都要由指導教授報名</a:t>
+            </a:r>
+            <a:endParaRPr lang="en-US" altLang="zh-TW" dirty="0"/>
+          </a:p>
+          <a:p>
+            <a:r>
+              <a:rPr lang="zh-TW" altLang="en-US" dirty="0"/>
+              <a:t>程式競賽相關請去找社團不要找助教、助教沒辦法幫你</a:t>
+            </a:r>
+            <a:endParaRPr lang="en-US" altLang="zh-TW" dirty="0"/>
+          </a:p>
+          <a:p>
+            <a:r>
+              <a:rPr lang="zh-TW" altLang="en-US" dirty="0"/>
+              <a:t>交大有程式競賽的社團</a:t>
+            </a:r>
+            <a:endParaRPr lang="en-US" altLang="zh-TW" dirty="0"/>
+          </a:p>
+          <a:p>
+            <a:r>
+              <a:rPr lang="en-US" altLang="zh-TW" u="sng" dirty="0">
+                <a:hlinkClick r:id="rId2"/>
+              </a:rPr>
+              <a:t>NCTU PCCA</a:t>
+            </a:r>
+            <a:endParaRPr lang="en-US" altLang="zh-TW" u="sng" dirty="0"/>
+          </a:p>
+          <a:p>
+            <a:endParaRPr lang="en-US" altLang="zh-TW" u="sng" dirty="0"/>
+          </a:p>
+          <a:p>
+            <a:r>
+              <a:rPr lang="en-US" altLang="zh-TW" dirty="0"/>
+              <a:t>ITSA</a:t>
+            </a:r>
+            <a:r>
+              <a:rPr lang="zh-TW" altLang="en-US" dirty="0"/>
+              <a:t>桂冠賽、</a:t>
+            </a:r>
+            <a:r>
+              <a:rPr lang="en-US" altLang="zh-TW" dirty="0"/>
+              <a:t>TOPC</a:t>
+            </a:r>
+            <a:r>
+              <a:rPr lang="zh-TW" altLang="en-US" dirty="0"/>
+              <a:t>、</a:t>
+            </a:r>
+            <a:r>
+              <a:rPr lang="en-US" altLang="zh-TW" dirty="0"/>
+              <a:t>NCPC</a:t>
+            </a:r>
+            <a:r>
+              <a:rPr lang="zh-TW" altLang="en-US" dirty="0"/>
+              <a:t>、</a:t>
+            </a:r>
+            <a:r>
+              <a:rPr lang="en-US" altLang="zh-TW" dirty="0"/>
+              <a:t>ACM-ICPC</a:t>
+            </a:r>
+            <a:r>
+              <a:rPr lang="zh-TW" altLang="en-US" dirty="0"/>
+              <a:t>等等大型競賽</a:t>
+            </a:r>
+          </a:p>
+        </p:txBody>
+      </p:sp>
+    </p:spTree>
+    <p:extLst>
+      <p:ext uri="{BB962C8B-B14F-4D97-AF65-F5344CB8AC3E}">
+        <p14:creationId xmlns:p14="http://schemas.microsoft.com/office/powerpoint/2010/main" val="2055910693"/>
       </p:ext>
     </p:extLst>
   </p:cSld>
@@ -6408,7 +8714,7 @@
           <a:lstStyle/>
           <a:p>
             <a:r>
-              <a:rPr lang="en-US" altLang="zh-TW" dirty="0" err="1"/>
+              <a:rPr lang="en-US" altLang="zh-TW" dirty="0"/>
               <a:t>cctype</a:t>
             </a:r>
             <a:r>
@@ -6417,15 +8723,7 @@
             </a:r>
             <a:r>
               <a:rPr lang="en-US" altLang="zh-TW" dirty="0"/>
-              <a:t>(</a:t>
-            </a:r>
-            <a:r>
-              <a:rPr lang="en-US" altLang="zh-TW" dirty="0" err="1"/>
-              <a:t>ctype.h</a:t>
-            </a:r>
-            <a:r>
-              <a:rPr lang="en-US" altLang="zh-TW" dirty="0"/>
-              <a:t>)</a:t>
+              <a:t>(ctype.h)</a:t>
             </a:r>
             <a:r>
               <a:rPr lang="zh-TW" altLang="en-US" dirty="0"/>
@@ -6463,15 +8761,7 @@
             </a:r>
             <a:r>
               <a:rPr lang="en-US" altLang="zh-TW" dirty="0"/>
-              <a:t>#include &lt;</a:t>
-            </a:r>
-            <a:r>
-              <a:rPr lang="en-US" altLang="zh-TW" dirty="0" err="1"/>
-              <a:t>ctype.h</a:t>
-            </a:r>
-            <a:r>
-              <a:rPr lang="en-US" altLang="zh-TW" dirty="0"/>
-              <a:t>&gt;</a:t>
+              <a:t>#include &lt;ctype.h&gt;</a:t>
             </a:r>
           </a:p>
           <a:p>
@@ -6494,12 +8784,8 @@
           <a:p>
             <a:pPr lvl="1"/>
             <a:r>
-              <a:rPr lang="en-US" altLang="zh-TW" dirty="0" err="1"/>
-              <a:t>isalnum</a:t>
-            </a:r>
-            <a:r>
-              <a:rPr lang="en-US" altLang="zh-TW" dirty="0"/>
-              <a:t>(c ) 		</a:t>
+              <a:rPr lang="en-US" altLang="zh-TW" dirty="0"/>
+              <a:t>isalnum(c ) 		</a:t>
             </a:r>
             <a:r>
               <a:rPr lang="zh-TW" altLang="en-US" dirty="0"/>
@@ -6529,8 +8815,84 @@
           <a:p>
             <a:pPr lvl="1"/>
             <a:r>
-              <a:rPr lang="en-US" altLang="zh-TW" dirty="0" err="1"/>
-              <a:t>isalpha</a:t>
+              <a:rPr lang="en-US" altLang="zh-TW" dirty="0"/>
+              <a:t>isalpha(</a:t>
+            </a:r>
+            <a:r>
+              <a:rPr lang="zh-TW" altLang="en-US" dirty="0"/>
+              <a:t> </a:t>
+            </a:r>
+            <a:r>
+              <a:rPr lang="en-US" altLang="zh-TW" dirty="0"/>
+              <a:t>c</a:t>
+            </a:r>
+            <a:r>
+              <a:rPr lang="zh-TW" altLang="en-US" dirty="0"/>
+              <a:t> </a:t>
+            </a:r>
+            <a:r>
+              <a:rPr lang="en-US" altLang="zh-TW" dirty="0"/>
+              <a:t>)		</a:t>
+            </a:r>
+            <a:r>
+              <a:rPr lang="zh-TW" altLang="en-US" dirty="0"/>
+              <a:t>判斷字元</a:t>
+            </a:r>
+            <a:r>
+              <a:rPr lang="en-US" altLang="zh-TW" dirty="0"/>
+              <a:t>c</a:t>
+            </a:r>
+            <a:r>
+              <a:rPr lang="zh-TW" altLang="en-US" dirty="0"/>
+              <a:t>是不是英文字母</a:t>
+            </a:r>
+            <a:endParaRPr lang="en-US" altLang="zh-TW" dirty="0"/>
+          </a:p>
+          <a:p>
+            <a:pPr lvl="1"/>
+            <a:r>
+              <a:rPr lang="en-US" altLang="zh-TW" dirty="0"/>
+              <a:t>isdigit (</a:t>
+            </a:r>
+            <a:r>
+              <a:rPr lang="zh-TW" altLang="en-US" dirty="0"/>
+              <a:t> </a:t>
+            </a:r>
+            <a:r>
+              <a:rPr lang="en-US" altLang="zh-TW" dirty="0"/>
+              <a:t>c )		</a:t>
+            </a:r>
+            <a:r>
+              <a:rPr lang="zh-TW" altLang="en-US" dirty="0"/>
+              <a:t>判斷字元</a:t>
+            </a:r>
+            <a:r>
+              <a:rPr lang="en-US" altLang="zh-TW" dirty="0"/>
+              <a:t>c</a:t>
+            </a:r>
+            <a:r>
+              <a:rPr lang="zh-TW" altLang="en-US" dirty="0"/>
+              <a:t>是不是</a:t>
+            </a:r>
+            <a:r>
+              <a:rPr lang="en-US" altLang="zh-TW" dirty="0"/>
+              <a:t>10</a:t>
+            </a:r>
+            <a:r>
+              <a:rPr lang="zh-TW" altLang="en-US" dirty="0"/>
+              <a:t>進位的數字</a:t>
+            </a:r>
+            <a:endParaRPr lang="en-US" altLang="zh-TW" dirty="0"/>
+          </a:p>
+          <a:p>
+            <a:pPr lvl="1"/>
+            <a:r>
+              <a:rPr lang="en-US" altLang="zh-TW" dirty="0"/>
+              <a:t>islower</a:t>
+            </a:r>
+            <a:r>
+              <a:rPr lang="zh-TW" altLang="en-US" dirty="0"/>
+              <a:t> </a:t>
             </a:r>
             <a:r>
               <a:rPr lang="en-US" altLang="zh-TW" dirty="0"/>
@@ -6542,19 +8904,67 @@
             </a:r>
             <a:r>
               <a:rPr lang="en-US" altLang="zh-TW" dirty="0"/>
+              <a:t>c )		</a:t>
+            </a:r>
+            <a:r>
+              <a:rPr lang="zh-TW" altLang="en-US" dirty="0"/>
+              <a:t>判斷字元</a:t>
+            </a:r>
+            <a:r>
+              <a:rPr lang="en-US" altLang="zh-TW" dirty="0"/>
               <a:t>c</a:t>
             </a:r>
             <a:r>
               <a:rPr lang="zh-TW" altLang="en-US" dirty="0"/>
+              <a:t>是不是小寫字母</a:t>
+            </a:r>
+            <a:endParaRPr lang="en-US" altLang="zh-TW" dirty="0"/>
+          </a:p>
+          <a:p>
+            <a:pPr lvl="1"/>
+            <a:r>
+              <a:rPr lang="en-US" altLang="zh-TW" dirty="0"/>
+              <a:t>isupper ( c )		</a:t>
+            </a:r>
+            <a:r>
+              <a:rPr lang="zh-TW" altLang="en-US" dirty="0"/>
+              <a:t>判斷字元</a:t>
+            </a:r>
+            <a:r>
+              <a:rPr lang="en-US" altLang="zh-TW" dirty="0"/>
+              <a:t>c</a:t>
+            </a:r>
+            <a:r>
+              <a:rPr lang="zh-TW" altLang="en-US" dirty="0"/>
+              <a:t>是不是大寫字母</a:t>
+            </a:r>
+            <a:endParaRPr lang="en-US" altLang="zh-TW" dirty="0"/>
+          </a:p>
+          <a:p>
+            <a:pPr lvl="1"/>
+            <a:r>
+              <a:rPr lang="en-US" altLang="zh-TW" dirty="0"/>
+              <a:t>tolower</a:t>
+            </a:r>
+            <a:r>
+              <a:rPr lang="zh-TW" altLang="en-US" dirty="0"/>
               <a:t> </a:t>
             </a:r>
             <a:r>
               <a:rPr lang="en-US" altLang="zh-TW" dirty="0"/>
-              <a:t>)		</a:t>
-            </a:r>
-            <a:r>
-              <a:rPr lang="zh-TW" altLang="en-US" dirty="0"/>
-              <a:t>判斷字元</a:t>
+              <a:t>(</a:t>
+            </a:r>
+            <a:r>
+              <a:rPr lang="zh-TW" altLang="en-US" dirty="0"/>
+              <a:t> </a:t>
+            </a:r>
+            <a:r>
+              <a:rPr lang="en-US" altLang="zh-TW" dirty="0"/>
+              <a:t>c )		</a:t>
+            </a:r>
+            <a:r>
+              <a:rPr lang="zh-TW" altLang="en-US" dirty="0"/>
+              <a:t>回傳</a:t>
             </a:r>
             <a:r>
               <a:rPr lang="en-US" altLang="zh-TW" dirty="0"/>
@@ -6562,155 +8972,15 @@
             </a:r>
             <a:r>
               <a:rPr lang="zh-TW" altLang="en-US" dirty="0"/>
-              <a:t>是不是英文字母</a:t>
+              <a:t>的小寫字母、若不是字母則回傳原本的</a:t>
             </a:r>
             <a:endParaRPr lang="en-US" altLang="zh-TW" dirty="0"/>
           </a:p>
           <a:p>
             <a:pPr lvl="1"/>
             <a:r>
-              <a:rPr lang="en-US" altLang="zh-TW" dirty="0" err="1"/>
-              <a:t>isdigit</a:t>
-            </a:r>
-            <a:r>
-              <a:rPr lang="en-US" altLang="zh-TW" dirty="0"/>
-              <a:t> (</a:t>
-            </a:r>
-            <a:r>
-              <a:rPr lang="zh-TW" altLang="en-US" dirty="0"/>
-              <a:t> </a:t>
-            </a:r>
-            <a:r>
-              <a:rPr lang="en-US" altLang="zh-TW" dirty="0"/>
-              <a:t>c )		</a:t>
-            </a:r>
-            <a:r>
-              <a:rPr lang="zh-TW" altLang="en-US" dirty="0"/>
-              <a:t>判斷字元</a:t>
-            </a:r>
-            <a:r>
-              <a:rPr lang="en-US" altLang="zh-TW" dirty="0"/>
-              <a:t>c</a:t>
-            </a:r>
-            <a:r>
-              <a:rPr lang="zh-TW" altLang="en-US" dirty="0"/>
-              <a:t>是不是</a:t>
-            </a:r>
-            <a:r>
-              <a:rPr lang="en-US" altLang="zh-TW" dirty="0"/>
-              <a:t>10</a:t>
-            </a:r>
-            <a:r>
-              <a:rPr lang="zh-TW" altLang="en-US" dirty="0"/>
-              <a:t>進位的數字</a:t>
-            </a:r>
-            <a:endParaRPr lang="en-US" altLang="zh-TW" dirty="0"/>
-          </a:p>
-          <a:p>
-            <a:pPr lvl="1"/>
-            <a:r>
-              <a:rPr lang="en-US" altLang="zh-TW" dirty="0" err="1"/>
-              <a:t>islower</a:t>
-            </a:r>
-            <a:r>
-              <a:rPr lang="zh-TW" altLang="en-US" dirty="0"/>
-              <a:t> </a:t>
-            </a:r>
-            <a:r>
-              <a:rPr lang="en-US" altLang="zh-TW" dirty="0"/>
-              <a:t>(</a:t>
-            </a:r>
-            <a:r>
-              <a:rPr lang="zh-TW" altLang="en-US" dirty="0"/>
-              <a:t> </a:t>
-            </a:r>
-            <a:r>
-              <a:rPr lang="en-US" altLang="zh-TW" dirty="0"/>
-              <a:t>c )		</a:t>
-            </a:r>
-            <a:r>
-              <a:rPr lang="zh-TW" altLang="en-US" dirty="0"/>
-              <a:t>判斷字元</a:t>
-            </a:r>
-            <a:r>
-              <a:rPr lang="en-US" altLang="zh-TW" dirty="0"/>
-              <a:t>c</a:t>
-            </a:r>
-            <a:r>
-              <a:rPr lang="zh-TW" altLang="en-US" dirty="0"/>
-              <a:t>是不是小寫字母</a:t>
-            </a:r>
-            <a:endParaRPr lang="en-US" altLang="zh-TW" dirty="0"/>
-          </a:p>
-          <a:p>
-            <a:pPr lvl="1"/>
-            <a:r>
-              <a:rPr lang="en-US" altLang="zh-TW" dirty="0" err="1"/>
-              <a:t>isupper</a:t>
-            </a:r>
-            <a:r>
-              <a:rPr lang="en-US" altLang="zh-TW" dirty="0"/>
-              <a:t> ( c )		</a:t>
-            </a:r>
-            <a:r>
-              <a:rPr lang="zh-TW" altLang="en-US" dirty="0"/>
-              <a:t>判斷字元</a:t>
-            </a:r>
-            <a:r>
-              <a:rPr lang="en-US" altLang="zh-TW" dirty="0"/>
-              <a:t>c</a:t>
-            </a:r>
-            <a:r>
-              <a:rPr lang="zh-TW" altLang="en-US" dirty="0"/>
-              <a:t>是不是大寫字母</a:t>
-            </a:r>
-            <a:endParaRPr lang="en-US" altLang="zh-TW" dirty="0"/>
-          </a:p>
-          <a:p>
-            <a:pPr lvl="1"/>
-            <a:r>
-              <a:rPr lang="en-US" altLang="zh-TW" dirty="0" err="1"/>
-              <a:t>tolower</a:t>
-            </a:r>
-            <a:r>
-              <a:rPr lang="zh-TW" altLang="en-US" dirty="0"/>
-              <a:t> </a:t>
-            </a:r>
-            <a:r>
-              <a:rPr lang="en-US" altLang="zh-TW" dirty="0"/>
-              <a:t>(</a:t>
-            </a:r>
-            <a:r>
-              <a:rPr lang="zh-TW" altLang="en-US" dirty="0"/>
-              <a:t> </a:t>
-            </a:r>
-            <a:r>
-              <a:rPr lang="en-US" altLang="zh-TW" dirty="0"/>
-              <a:t>c )		</a:t>
-            </a:r>
-            <a:r>
-              <a:rPr lang="zh-TW" altLang="en-US" dirty="0"/>
-              <a:t>回傳</a:t>
-            </a:r>
-            <a:r>
-              <a:rPr lang="en-US" altLang="zh-TW" dirty="0"/>
-              <a:t>c</a:t>
-            </a:r>
-            <a:r>
-              <a:rPr lang="zh-TW" altLang="en-US" dirty="0"/>
-              <a:t>的小寫字母、若不是字母則回傳原本的</a:t>
-            </a:r>
-            <a:endParaRPr lang="en-US" altLang="zh-TW" dirty="0"/>
-          </a:p>
-          <a:p>
-            <a:pPr lvl="1"/>
-            <a:r>
-              <a:rPr lang="en-US" altLang="zh-TW" dirty="0" err="1"/>
-              <a:t>toupper</a:t>
-            </a:r>
-            <a:r>
-              <a:rPr lang="en-US" altLang="zh-TW" dirty="0"/>
-              <a:t> ( c )		</a:t>
+              <a:rPr lang="en-US" altLang="zh-TW" dirty="0"/>
+              <a:t>toupper ( c )		</a:t>
             </a:r>
             <a:r>
               <a:rPr lang="zh-TW" altLang="en-US" dirty="0"/>
@@ -6780,7 +9050,7 @@
           <a:lstStyle/>
           <a:p>
             <a:r>
-              <a:rPr lang="en-US" altLang="zh-TW" dirty="0" err="1"/>
+              <a:rPr lang="en-US" altLang="zh-TW" dirty="0"/>
               <a:t>cctype</a:t>
             </a:r>
             <a:r>
@@ -6789,15 +9059,7 @@
             </a:r>
             <a:r>
               <a:rPr lang="en-US" altLang="zh-TW" dirty="0"/>
-              <a:t>(</a:t>
-            </a:r>
-            <a:r>
-              <a:rPr lang="en-US" altLang="zh-TW" dirty="0" err="1"/>
-              <a:t>ctype.h</a:t>
-            </a:r>
-            <a:r>
-              <a:rPr lang="en-US" altLang="zh-TW" dirty="0"/>
-              <a:t>)</a:t>
+              <a:t>(ctype.h)</a:t>
             </a:r>
             <a:r>
               <a:rPr lang="zh-TW" altLang="en-US" dirty="0"/>
@@ -6890,7 +9152,7 @@
           <a:lstStyle/>
           <a:p>
             <a:r>
-              <a:rPr lang="en-US" altLang="zh-TW" dirty="0" err="1"/>
+              <a:rPr lang="en-US" altLang="zh-TW" dirty="0"/>
               <a:t>cstring</a:t>
             </a:r>
             <a:r>
@@ -6906,12 +9168,8 @@
               <a:t> </a:t>
             </a:r>
             <a:r>
-              <a:rPr lang="en-US" altLang="zh-TW" dirty="0" err="1"/>
-              <a:t>string.h</a:t>
-            </a:r>
-            <a:r>
-              <a:rPr lang="en-US" altLang="zh-TW" dirty="0"/>
-              <a:t> ) </a:t>
+              <a:rPr lang="en-US" altLang="zh-TW" dirty="0"/>
+              <a:t>string.h ) </a:t>
             </a:r>
             <a:r>
               <a:rPr lang="zh-TW" altLang="en-US" dirty="0"/>
@@ -6949,15 +9207,7 @@
             </a:r>
             <a:r>
               <a:rPr lang="en-US" altLang="zh-TW" dirty="0"/>
-              <a:t>#include &lt;</a:t>
-            </a:r>
-            <a:r>
-              <a:rPr lang="en-US" altLang="zh-TW" dirty="0" err="1"/>
-              <a:t>string.h</a:t>
-            </a:r>
-            <a:r>
-              <a:rPr lang="en-US" altLang="zh-TW" dirty="0"/>
-              <a:t>&gt;</a:t>
+              <a:t>#include &lt;string.h&gt;</a:t>
             </a:r>
           </a:p>
           <a:p>
@@ -7018,15 +9268,7 @@
             </a:pPr>
             <a:r>
               <a:rPr lang="en-US" altLang="zh-TW" dirty="0"/>
-              <a:t>char str[10] = {'C',' ','</a:t>
-            </a:r>
-            <a:r>
-              <a:rPr lang="en-US" altLang="zh-TW" dirty="0" err="1"/>
-              <a:t>p','r','o','g','r','a</a:t>
-            </a:r>
-            <a:r>
-              <a:rPr lang="en-US" altLang="zh-TW" dirty="0"/>
-              <a:t>', 'm', </a:t>
+              <a:t>char str[10] = {'C',' ','p','r','o','g','r','a', 'm', </a:t>
             </a:r>
             <a:r>
               <a:rPr lang="en-US" altLang="zh-TW" dirty="0">
@@ -7177,7 +9419,7 @@
           <a:lstStyle/>
           <a:p>
             <a:r>
-              <a:rPr lang="en-US" altLang="zh-TW" dirty="0" err="1"/>
+              <a:rPr lang="en-US" altLang="zh-TW" dirty="0"/>
               <a:t>cstring</a:t>
             </a:r>
             <a:r>
@@ -7193,12 +9435,8 @@
               <a:t> </a:t>
             </a:r>
             <a:r>
-              <a:rPr lang="en-US" altLang="zh-TW" dirty="0" err="1"/>
-              <a:t>string.h</a:t>
-            </a:r>
-            <a:r>
-              <a:rPr lang="en-US" altLang="zh-TW" dirty="0"/>
-              <a:t> ) </a:t>
+              <a:rPr lang="en-US" altLang="zh-TW" dirty="0"/>
+              <a:t>string.h ) </a:t>
             </a:r>
             <a:r>
               <a:rPr lang="zh-TW" altLang="en-US" dirty="0"/>
@@ -7231,12 +9469,8 @@
           <a:lstStyle/>
           <a:p>
             <a:r>
-              <a:rPr lang="en-US" altLang="zh-TW" dirty="0" err="1"/>
-              <a:t>strlen</a:t>
-            </a:r>
-            <a:r>
-              <a:rPr lang="en-US" altLang="zh-TW" dirty="0"/>
-              <a:t> ( char str[] )</a:t>
+              <a:rPr lang="en-US" altLang="zh-TW" dirty="0"/>
+              <a:t>strlen ( char str[] )</a:t>
             </a:r>
           </a:p>
           <a:p>
@@ -7311,12 +9545,8 @@
           </a:p>
           <a:p>
             <a:r>
-              <a:rPr lang="en-US" altLang="zh-TW" dirty="0" err="1"/>
-              <a:t>strcmp</a:t>
-            </a:r>
-            <a:r>
-              <a:rPr lang="en-US" altLang="zh-TW" dirty="0"/>
-              <a:t> ( char str1[], char str2[] )</a:t>
+              <a:rPr lang="en-US" altLang="zh-TW" dirty="0"/>
+              <a:t>strcmp ( char str1[], char str2[] )</a:t>
             </a:r>
           </a:p>
           <a:p>
@@ -7395,12 +9625,8 @@
           </a:p>
           <a:p>
             <a:r>
-              <a:rPr lang="en-US" altLang="zh-TW" dirty="0" err="1"/>
-              <a:t>strcpy</a:t>
-            </a:r>
-            <a:r>
-              <a:rPr lang="en-US" altLang="zh-TW" dirty="0"/>
-              <a:t> ( char str1[], char str2[] )</a:t>
+              <a:rPr lang="en-US" altLang="zh-TW" dirty="0"/>
+              <a:t>strcpy ( char str1[], char str2[] )</a:t>
             </a:r>
           </a:p>
           <a:p>
